--- a/[JAVA]/Comandos Java.pptx
+++ b/[JAVA]/Comandos Java.pptx
@@ -104,6 +104,11 @@
       </a:defRPr>
     </a:lvl9pPr>
   </p:defaultTextStyle>
+  <p:extLst>
+    <p:ext uri="{EFAFB233-063F-42B5-8137-9DF3F51BA10A}">
+      <p15:sldGuideLst xmlns:p15="http://schemas.microsoft.com/office/powerpoint/2012/main"/>
+    </p:ext>
+  </p:extLst>
 </p:presentation>
 </file>
 
@@ -3365,13 +3370,18 @@
         </p:nvSpPr>
         <p:spPr>
           <a:xfrm>
-            <a:off x="895350" y="161925"/>
+            <a:off x="1152746" y="203962"/>
             <a:ext cx="2838450" cy="584775"/>
           </a:xfrm>
           <a:prstGeom prst="rect">
             <a:avLst/>
           </a:prstGeom>
           <a:noFill/>
+          <a:ln w="19050">
+            <a:solidFill>
+              <a:schemeClr val="tx1"/>
+            </a:solidFill>
+          </a:ln>
         </p:spPr>
         <p:txBody>
           <a:bodyPr wrap="square" rtlCol="0">
@@ -3379,9 +3389,256 @@
           </a:bodyPr>
           <a:lstStyle/>
           <a:p>
+            <a:pPr algn="ctr"/>
             <a:r>
               <a:rPr lang="es-ES" sz="3200" b="1" dirty="0"/>
-              <a:t>JAVA - ECLIPSE</a:t>
+              <a:t>C1 INTRO JAVA</a:t>
+            </a:r>
+          </a:p>
+        </p:txBody>
+      </p:sp>
+      <p:sp>
+        <p:nvSpPr>
+          <p:cNvPr id="2" name="CuadroTexto 1">
+            <a:extLst>
+              <a:ext uri="{FF2B5EF4-FFF2-40B4-BE49-F238E27FC236}">
+                <a16:creationId xmlns:a16="http://schemas.microsoft.com/office/drawing/2014/main" id="{BCA57670-AD7A-A360-4FCB-6898CD50F455}"/>
+              </a:ext>
+            </a:extLst>
+          </p:cNvPr>
+          <p:cNvSpPr txBox="1"/>
+          <p:nvPr/>
+        </p:nvSpPr>
+        <p:spPr>
+          <a:xfrm>
+            <a:off x="162560" y="930977"/>
+            <a:ext cx="4818823" cy="5632311"/>
+          </a:xfrm>
+          <a:prstGeom prst="rect">
+            <a:avLst/>
+          </a:prstGeom>
+          <a:noFill/>
+          <a:ln>
+            <a:solidFill>
+              <a:schemeClr val="tx1"/>
+            </a:solidFill>
+            <a:prstDash val="lgDash"/>
+          </a:ln>
+        </p:spPr>
+        <p:txBody>
+          <a:bodyPr wrap="square" rtlCol="0">
+            <a:spAutoFit/>
+          </a:bodyPr>
+          <a:lstStyle/>
+          <a:p>
+            <a:pPr algn="ctr"/>
+            <a:r>
+              <a:rPr lang="es-ES" b="1" dirty="0" err="1">
+                <a:solidFill>
+                  <a:srgbClr val="7030A0"/>
+                </a:solidFill>
+              </a:rPr>
+              <a:t>int</a:t>
+            </a:r>
+            <a:r>
+              <a:rPr lang="es-ES" b="1" dirty="0"/>
+              <a:t> </a:t>
+            </a:r>
+            <a:r>
+              <a:rPr lang="es-ES" b="1" dirty="0" err="1"/>
+              <a:t>nombreVariable</a:t>
+            </a:r>
+            <a:r>
+              <a:rPr lang="es-ES" b="1" dirty="0"/>
+              <a:t> (…);</a:t>
+            </a:r>
+          </a:p>
+          <a:p>
+            <a:pPr algn="ctr"/>
+            <a:endParaRPr lang="es-ES" b="1" dirty="0"/>
+          </a:p>
+          <a:p>
+            <a:r>
+              <a:rPr lang="es-ES" b="1" dirty="0"/>
+              <a:t>Asignación: </a:t>
+            </a:r>
+            <a:r>
+              <a:rPr lang="es-ES" dirty="0"/>
+              <a:t>dar un valor a variable (=)</a:t>
+            </a:r>
+          </a:p>
+          <a:p>
+            <a:endParaRPr lang="es-ES" dirty="0"/>
+          </a:p>
+          <a:p>
+            <a:r>
+              <a:rPr lang="es-ES" b="1" dirty="0" err="1"/>
+              <a:t>Artimético</a:t>
+            </a:r>
+            <a:r>
+              <a:rPr lang="es-ES" b="1" dirty="0"/>
+              <a:t>: </a:t>
+            </a:r>
+            <a:r>
+              <a:rPr lang="es-ES" dirty="0"/>
+              <a:t>operaciones aritméticas (+ - * / %)</a:t>
+            </a:r>
+          </a:p>
+          <a:p>
+            <a:endParaRPr lang="es-ES" dirty="0"/>
+          </a:p>
+          <a:p>
+            <a:r>
+              <a:rPr lang="es-ES" b="1" dirty="0"/>
+              <a:t>Unarios: </a:t>
+            </a:r>
+            <a:r>
+              <a:rPr lang="es-ES" dirty="0"/>
+              <a:t>+1 (++) o -1(--) a la variable existente. Se coloca al final de la variable.</a:t>
+            </a:r>
+          </a:p>
+          <a:p>
+            <a:endParaRPr lang="es-ES" dirty="0"/>
+          </a:p>
+          <a:p>
+            <a:r>
+              <a:rPr lang="es-ES" b="1" dirty="0"/>
+              <a:t>Relación: </a:t>
+            </a:r>
+            <a:r>
+              <a:rPr lang="es-ES" dirty="0"/>
+              <a:t>comparan valores.</a:t>
+            </a:r>
+          </a:p>
+          <a:p>
+            <a:r>
+              <a:rPr lang="es-ES" dirty="0"/>
+              <a:t>    == igual a / != distinto a </a:t>
+            </a:r>
+          </a:p>
+          <a:p>
+            <a:r>
+              <a:rPr lang="es-ES" dirty="0"/>
+              <a:t>    &gt; mayor que / &lt; menor que</a:t>
+            </a:r>
+          </a:p>
+          <a:p>
+            <a:r>
+              <a:rPr lang="es-ES" dirty="0"/>
+              <a:t>    &gt;= mayor o igual que / &lt;= menor o igual que</a:t>
+            </a:r>
+          </a:p>
+          <a:p>
+            <a:endParaRPr lang="es-ES" dirty="0"/>
+          </a:p>
+          <a:p>
+            <a:r>
+              <a:rPr lang="es-ES" b="1" dirty="0"/>
+              <a:t>Condicional:</a:t>
+            </a:r>
+            <a:r>
+              <a:rPr lang="es-ES" dirty="0"/>
+              <a:t> concatenar varias condiciones. AND (&amp;&amp;) y OR (||)</a:t>
+            </a:r>
+          </a:p>
+          <a:p>
+            <a:endParaRPr lang="es-ES" dirty="0"/>
+          </a:p>
+          <a:p>
+            <a:r>
+              <a:rPr lang="es-ES" b="1" i="1" dirty="0" err="1">
+                <a:solidFill>
+                  <a:srgbClr val="7030A0"/>
+                </a:solidFill>
+              </a:rPr>
+              <a:t>System.out.print</a:t>
+            </a:r>
+            <a:r>
+              <a:rPr lang="es-ES" b="1" i="1" dirty="0">
+                <a:solidFill>
+                  <a:srgbClr val="7030A0"/>
+                </a:solidFill>
+              </a:rPr>
+              <a:t> </a:t>
+            </a:r>
+            <a:r>
+              <a:rPr lang="es-ES" dirty="0"/>
+              <a:t>todo seguido en consola</a:t>
+            </a:r>
+          </a:p>
+          <a:p>
+            <a:r>
+              <a:rPr lang="es-ES" b="1" i="1" dirty="0" err="1">
+                <a:solidFill>
+                  <a:srgbClr val="7030A0"/>
+                </a:solidFill>
+              </a:rPr>
+              <a:t>System.out.println</a:t>
+            </a:r>
+            <a:r>
+              <a:rPr lang="es-ES" b="1" dirty="0">
+                <a:solidFill>
+                  <a:srgbClr val="7030A0"/>
+                </a:solidFill>
+              </a:rPr>
+              <a:t> </a:t>
+            </a:r>
+            <a:r>
+              <a:rPr lang="es-ES" dirty="0"/>
+              <a:t>ENTER en consola.</a:t>
+            </a:r>
+            <a:endParaRPr lang="es-ES" i="1" dirty="0"/>
+          </a:p>
+          <a:p>
+            <a:endParaRPr lang="es-ES" dirty="0"/>
+          </a:p>
+        </p:txBody>
+      </p:sp>
+      <p:sp>
+        <p:nvSpPr>
+          <p:cNvPr id="7" name="Elipse 6">
+            <a:extLst>
+              <a:ext uri="{FF2B5EF4-FFF2-40B4-BE49-F238E27FC236}">
+                <a16:creationId xmlns:a16="http://schemas.microsoft.com/office/drawing/2014/main" id="{509280B6-FD06-1F11-3F7E-15573274F856}"/>
+              </a:ext>
+            </a:extLst>
+          </p:cNvPr>
+          <p:cNvSpPr/>
+          <p:nvPr/>
+        </p:nvSpPr>
+        <p:spPr>
+          <a:xfrm>
+            <a:off x="162558" y="73794"/>
+            <a:ext cx="785303" cy="755583"/>
+          </a:xfrm>
+          <a:prstGeom prst="ellipse">
+            <a:avLst/>
+          </a:prstGeom>
+        </p:spPr>
+        <p:style>
+          <a:lnRef idx="2">
+            <a:schemeClr val="accent1">
+              <a:shade val="15000"/>
+            </a:schemeClr>
+          </a:lnRef>
+          <a:fillRef idx="1">
+            <a:schemeClr val="accent1"/>
+          </a:fillRef>
+          <a:effectRef idx="0">
+            <a:schemeClr val="accent1"/>
+          </a:effectRef>
+          <a:fontRef idx="minor">
+            <a:schemeClr val="lt1"/>
+          </a:fontRef>
+        </p:style>
+        <p:txBody>
+          <a:bodyPr rtlCol="0" anchor="ctr"/>
+          <a:lstStyle/>
+          <a:p>
+            <a:pPr algn="ctr"/>
+            <a:r>
+              <a:rPr lang="es-ES" b="1" dirty="0"/>
+              <a:t>TA4</a:t>
             </a:r>
           </a:p>
         </p:txBody>

--- a/[JAVA]/Comandos Java.pptx
+++ b/[JAVA]/Comandos Java.pptx
@@ -259,7 +259,7 @@
           <a:p>
             <a:fld id="{3500814B-B0A1-4EE7-B2F5-06E5A1055567}" type="datetimeFigureOut">
               <a:rPr lang="es-ES" smtClean="0"/>
-              <a:t>02/02/2024</a:t>
+              <a:t>05/02/2024</a:t>
             </a:fld>
             <a:endParaRPr lang="es-ES"/>
           </a:p>
@@ -457,7 +457,7 @@
           <a:p>
             <a:fld id="{3500814B-B0A1-4EE7-B2F5-06E5A1055567}" type="datetimeFigureOut">
               <a:rPr lang="es-ES" smtClean="0"/>
-              <a:t>02/02/2024</a:t>
+              <a:t>05/02/2024</a:t>
             </a:fld>
             <a:endParaRPr lang="es-ES"/>
           </a:p>
@@ -665,7 +665,7 @@
           <a:p>
             <a:fld id="{3500814B-B0A1-4EE7-B2F5-06E5A1055567}" type="datetimeFigureOut">
               <a:rPr lang="es-ES" smtClean="0"/>
-              <a:t>02/02/2024</a:t>
+              <a:t>05/02/2024</a:t>
             </a:fld>
             <a:endParaRPr lang="es-ES"/>
           </a:p>
@@ -863,7 +863,7 @@
           <a:p>
             <a:fld id="{3500814B-B0A1-4EE7-B2F5-06E5A1055567}" type="datetimeFigureOut">
               <a:rPr lang="es-ES" smtClean="0"/>
-              <a:t>02/02/2024</a:t>
+              <a:t>05/02/2024</a:t>
             </a:fld>
             <a:endParaRPr lang="es-ES"/>
           </a:p>
@@ -1138,7 +1138,7 @@
           <a:p>
             <a:fld id="{3500814B-B0A1-4EE7-B2F5-06E5A1055567}" type="datetimeFigureOut">
               <a:rPr lang="es-ES" smtClean="0"/>
-              <a:t>02/02/2024</a:t>
+              <a:t>05/02/2024</a:t>
             </a:fld>
             <a:endParaRPr lang="es-ES"/>
           </a:p>
@@ -1403,7 +1403,7 @@
           <a:p>
             <a:fld id="{3500814B-B0A1-4EE7-B2F5-06E5A1055567}" type="datetimeFigureOut">
               <a:rPr lang="es-ES" smtClean="0"/>
-              <a:t>02/02/2024</a:t>
+              <a:t>05/02/2024</a:t>
             </a:fld>
             <a:endParaRPr lang="es-ES"/>
           </a:p>
@@ -1815,7 +1815,7 @@
           <a:p>
             <a:fld id="{3500814B-B0A1-4EE7-B2F5-06E5A1055567}" type="datetimeFigureOut">
               <a:rPr lang="es-ES" smtClean="0"/>
-              <a:t>02/02/2024</a:t>
+              <a:t>05/02/2024</a:t>
             </a:fld>
             <a:endParaRPr lang="es-ES"/>
           </a:p>
@@ -1956,7 +1956,7 @@
           <a:p>
             <a:fld id="{3500814B-B0A1-4EE7-B2F5-06E5A1055567}" type="datetimeFigureOut">
               <a:rPr lang="es-ES" smtClean="0"/>
-              <a:t>02/02/2024</a:t>
+              <a:t>05/02/2024</a:t>
             </a:fld>
             <a:endParaRPr lang="es-ES"/>
           </a:p>
@@ -2069,7 +2069,7 @@
           <a:p>
             <a:fld id="{3500814B-B0A1-4EE7-B2F5-06E5A1055567}" type="datetimeFigureOut">
               <a:rPr lang="es-ES" smtClean="0"/>
-              <a:t>02/02/2024</a:t>
+              <a:t>05/02/2024</a:t>
             </a:fld>
             <a:endParaRPr lang="es-ES"/>
           </a:p>
@@ -2380,7 +2380,7 @@
           <a:p>
             <a:fld id="{3500814B-B0A1-4EE7-B2F5-06E5A1055567}" type="datetimeFigureOut">
               <a:rPr lang="es-ES" smtClean="0"/>
-              <a:t>02/02/2024</a:t>
+              <a:t>05/02/2024</a:t>
             </a:fld>
             <a:endParaRPr lang="es-ES"/>
           </a:p>
@@ -2668,7 +2668,7 @@
           <a:p>
             <a:fld id="{3500814B-B0A1-4EE7-B2F5-06E5A1055567}" type="datetimeFigureOut">
               <a:rPr lang="es-ES" smtClean="0"/>
-              <a:t>02/02/2024</a:t>
+              <a:t>05/02/2024</a:t>
             </a:fld>
             <a:endParaRPr lang="es-ES"/>
           </a:p>
@@ -2909,7 +2909,7 @@
           <a:p>
             <a:fld id="{3500814B-B0A1-4EE7-B2F5-06E5A1055567}" type="datetimeFigureOut">
               <a:rPr lang="es-ES" smtClean="0"/>
-              <a:t>02/02/2024</a:t>
+              <a:t>05/02/2024</a:t>
             </a:fld>
             <a:endParaRPr lang="es-ES"/>
           </a:p>
@@ -3507,7 +3507,11 @@
             </a:r>
             <a:r>
               <a:rPr lang="es-ES" dirty="0"/>
-              <a:t>comparan valores.</a:t>
+              <a:t>comparan valores; </a:t>
+            </a:r>
+            <a:r>
+              <a:rPr lang="es-ES" u="sng" dirty="0"/>
+              <a:t>son preguntas.</a:t>
             </a:r>
           </a:p>
           <a:p>
@@ -3590,6 +3594,35 @@
             <a:endParaRPr lang="es-ES" i="1" dirty="0"/>
           </a:p>
           <a:p>
+            <a:pPr algn="ctr"/>
+            <a:r>
+              <a:rPr lang="es-ES" i="1" dirty="0"/>
+              <a:t> Eclipse: </a:t>
+            </a:r>
+            <a:r>
+              <a:rPr lang="es-ES" i="1" dirty="0" err="1"/>
+              <a:t>syso+CTRL+espacio</a:t>
+            </a:r>
+            <a:r>
+              <a:rPr lang="es-ES" i="1" dirty="0"/>
+              <a:t> = </a:t>
+            </a:r>
+            <a:r>
+              <a:rPr lang="es-ES" b="1" i="1" dirty="0" err="1">
+                <a:solidFill>
+                  <a:srgbClr val="7030A0"/>
+                </a:solidFill>
+              </a:rPr>
+              <a:t>System.out.println</a:t>
+            </a:r>
+            <a:r>
+              <a:rPr lang="es-ES" b="1" dirty="0">
+                <a:solidFill>
+                  <a:srgbClr val="7030A0"/>
+                </a:solidFill>
+              </a:rPr>
+              <a:t> </a:t>
+            </a:r>
             <a:endParaRPr lang="es-ES" dirty="0"/>
           </a:p>
         </p:txBody>

--- a/[JAVA]/Comandos Java.pptx
+++ b/[JAVA]/Comandos Java.pptx
@@ -6,6 +6,11 @@
   </p:sldMasterIdLst>
   <p:sldIdLst>
     <p:sldId id="256" r:id="rId2"/>
+    <p:sldId id="257" r:id="rId3"/>
+    <p:sldId id="259" r:id="rId4"/>
+    <p:sldId id="260" r:id="rId5"/>
+    <p:sldId id="262" r:id="rId6"/>
+    <p:sldId id="263" r:id="rId7"/>
   </p:sldIdLst>
   <p:sldSz cx="12192000" cy="6858000"/>
   <p:notesSz cx="6858000" cy="9144000"/>
@@ -259,7 +264,7 @@
           <a:p>
             <a:fld id="{3500814B-B0A1-4EE7-B2F5-06E5A1055567}" type="datetimeFigureOut">
               <a:rPr lang="es-ES" smtClean="0"/>
-              <a:t>05/02/2024</a:t>
+              <a:t>08/02/2024</a:t>
             </a:fld>
             <a:endParaRPr lang="es-ES"/>
           </a:p>
@@ -457,7 +462,7 @@
           <a:p>
             <a:fld id="{3500814B-B0A1-4EE7-B2F5-06E5A1055567}" type="datetimeFigureOut">
               <a:rPr lang="es-ES" smtClean="0"/>
-              <a:t>05/02/2024</a:t>
+              <a:t>08/02/2024</a:t>
             </a:fld>
             <a:endParaRPr lang="es-ES"/>
           </a:p>
@@ -665,7 +670,7 @@
           <a:p>
             <a:fld id="{3500814B-B0A1-4EE7-B2F5-06E5A1055567}" type="datetimeFigureOut">
               <a:rPr lang="es-ES" smtClean="0"/>
-              <a:t>05/02/2024</a:t>
+              <a:t>08/02/2024</a:t>
             </a:fld>
             <a:endParaRPr lang="es-ES"/>
           </a:p>
@@ -863,7 +868,7 @@
           <a:p>
             <a:fld id="{3500814B-B0A1-4EE7-B2F5-06E5A1055567}" type="datetimeFigureOut">
               <a:rPr lang="es-ES" smtClean="0"/>
-              <a:t>05/02/2024</a:t>
+              <a:t>08/02/2024</a:t>
             </a:fld>
             <a:endParaRPr lang="es-ES"/>
           </a:p>
@@ -1138,7 +1143,7 @@
           <a:p>
             <a:fld id="{3500814B-B0A1-4EE7-B2F5-06E5A1055567}" type="datetimeFigureOut">
               <a:rPr lang="es-ES" smtClean="0"/>
-              <a:t>05/02/2024</a:t>
+              <a:t>08/02/2024</a:t>
             </a:fld>
             <a:endParaRPr lang="es-ES"/>
           </a:p>
@@ -1403,7 +1408,7 @@
           <a:p>
             <a:fld id="{3500814B-B0A1-4EE7-B2F5-06E5A1055567}" type="datetimeFigureOut">
               <a:rPr lang="es-ES" smtClean="0"/>
-              <a:t>05/02/2024</a:t>
+              <a:t>08/02/2024</a:t>
             </a:fld>
             <a:endParaRPr lang="es-ES"/>
           </a:p>
@@ -1815,7 +1820,7 @@
           <a:p>
             <a:fld id="{3500814B-B0A1-4EE7-B2F5-06E5A1055567}" type="datetimeFigureOut">
               <a:rPr lang="es-ES" smtClean="0"/>
-              <a:t>05/02/2024</a:t>
+              <a:t>08/02/2024</a:t>
             </a:fld>
             <a:endParaRPr lang="es-ES"/>
           </a:p>
@@ -1956,7 +1961,7 @@
           <a:p>
             <a:fld id="{3500814B-B0A1-4EE7-B2F5-06E5A1055567}" type="datetimeFigureOut">
               <a:rPr lang="es-ES" smtClean="0"/>
-              <a:t>05/02/2024</a:t>
+              <a:t>08/02/2024</a:t>
             </a:fld>
             <a:endParaRPr lang="es-ES"/>
           </a:p>
@@ -2069,7 +2074,7 @@
           <a:p>
             <a:fld id="{3500814B-B0A1-4EE7-B2F5-06E5A1055567}" type="datetimeFigureOut">
               <a:rPr lang="es-ES" smtClean="0"/>
-              <a:t>05/02/2024</a:t>
+              <a:t>08/02/2024</a:t>
             </a:fld>
             <a:endParaRPr lang="es-ES"/>
           </a:p>
@@ -2380,7 +2385,7 @@
           <a:p>
             <a:fld id="{3500814B-B0A1-4EE7-B2F5-06E5A1055567}" type="datetimeFigureOut">
               <a:rPr lang="es-ES" smtClean="0"/>
-              <a:t>05/02/2024</a:t>
+              <a:t>08/02/2024</a:t>
             </a:fld>
             <a:endParaRPr lang="es-ES"/>
           </a:p>
@@ -2668,7 +2673,7 @@
           <a:p>
             <a:fld id="{3500814B-B0A1-4EE7-B2F5-06E5A1055567}" type="datetimeFigureOut">
               <a:rPr lang="es-ES" smtClean="0"/>
-              <a:t>05/02/2024</a:t>
+              <a:t>08/02/2024</a:t>
             </a:fld>
             <a:endParaRPr lang="es-ES"/>
           </a:p>
@@ -2909,7 +2914,7 @@
           <a:p>
             <a:fld id="{3500814B-B0A1-4EE7-B2F5-06E5A1055567}" type="datetimeFigureOut">
               <a:rPr lang="es-ES" smtClean="0"/>
-              <a:t>05/02/2024</a:t>
+              <a:t>08/02/2024</a:t>
             </a:fld>
             <a:endParaRPr lang="es-ES"/>
           </a:p>
@@ -3689,6 +3694,2298 @@
 </p:sld>
 </file>
 
+<file path=ppt/slides/slide2.xml><?xml version="1.0" encoding="utf-8"?>
+<p:sld xmlns:a="http://schemas.openxmlformats.org/drawingml/2006/main" xmlns:r="http://schemas.openxmlformats.org/officeDocument/2006/relationships" xmlns:p="http://schemas.openxmlformats.org/presentationml/2006/main">
+  <p:cSld>
+    <p:spTree>
+      <p:nvGrpSpPr>
+        <p:cNvPr id="1" name="">
+          <a:extLst>
+            <a:ext uri="{FF2B5EF4-FFF2-40B4-BE49-F238E27FC236}">
+              <a16:creationId xmlns:a16="http://schemas.microsoft.com/office/drawing/2014/main" id="{B6D5376E-C493-74C3-2EAA-310A25994FCA}"/>
+            </a:ext>
+          </a:extLst>
+        </p:cNvPr>
+        <p:cNvGrpSpPr/>
+        <p:nvPr/>
+      </p:nvGrpSpPr>
+      <p:grpSpPr>
+        <a:xfrm>
+          <a:off x="0" y="0"/>
+          <a:ext cx="0" cy="0"/>
+          <a:chOff x="0" y="0"/>
+          <a:chExt cx="0" cy="0"/>
+        </a:xfrm>
+      </p:grpSpPr>
+      <p:sp>
+        <p:nvSpPr>
+          <p:cNvPr id="6" name="CuadroTexto 5">
+            <a:extLst>
+              <a:ext uri="{FF2B5EF4-FFF2-40B4-BE49-F238E27FC236}">
+                <a16:creationId xmlns:a16="http://schemas.microsoft.com/office/drawing/2014/main" id="{129EBE36-94D8-53E6-172C-6E7ACDEADA01}"/>
+              </a:ext>
+            </a:extLst>
+          </p:cNvPr>
+          <p:cNvSpPr txBox="1"/>
+          <p:nvPr/>
+        </p:nvSpPr>
+        <p:spPr>
+          <a:xfrm>
+            <a:off x="1152746" y="203962"/>
+            <a:ext cx="2838450" cy="584775"/>
+          </a:xfrm>
+          <a:prstGeom prst="rect">
+            <a:avLst/>
+          </a:prstGeom>
+          <a:noFill/>
+          <a:ln w="19050">
+            <a:solidFill>
+              <a:schemeClr val="tx1"/>
+            </a:solidFill>
+          </a:ln>
+        </p:spPr>
+        <p:txBody>
+          <a:bodyPr wrap="square" rtlCol="0">
+            <a:spAutoFit/>
+          </a:bodyPr>
+          <a:lstStyle/>
+          <a:p>
+            <a:pPr algn="ctr"/>
+            <a:r>
+              <a:rPr lang="es-ES" sz="3200" b="1" dirty="0"/>
+              <a:t>C2 JAVA BASICS</a:t>
+            </a:r>
+          </a:p>
+        </p:txBody>
+      </p:sp>
+      <p:sp>
+        <p:nvSpPr>
+          <p:cNvPr id="2" name="CuadroTexto 1">
+            <a:extLst>
+              <a:ext uri="{FF2B5EF4-FFF2-40B4-BE49-F238E27FC236}">
+                <a16:creationId xmlns:a16="http://schemas.microsoft.com/office/drawing/2014/main" id="{3D8366EF-0E36-816B-5237-DA3372530DED}"/>
+              </a:ext>
+            </a:extLst>
+          </p:cNvPr>
+          <p:cNvSpPr txBox="1"/>
+          <p:nvPr/>
+        </p:nvSpPr>
+        <p:spPr>
+          <a:xfrm>
+            <a:off x="162560" y="930977"/>
+            <a:ext cx="5933440" cy="2492990"/>
+          </a:xfrm>
+          <a:prstGeom prst="rect">
+            <a:avLst/>
+          </a:prstGeom>
+          <a:noFill/>
+          <a:ln>
+            <a:solidFill>
+              <a:schemeClr val="tx1"/>
+            </a:solidFill>
+            <a:prstDash val="lgDash"/>
+          </a:ln>
+        </p:spPr>
+        <p:txBody>
+          <a:bodyPr wrap="square" rtlCol="0">
+            <a:spAutoFit/>
+          </a:bodyPr>
+          <a:lstStyle/>
+          <a:p>
+            <a:pPr algn="ctr"/>
+            <a:r>
+              <a:rPr lang="es-ES" b="1" dirty="0"/>
+              <a:t>Entrada y salida por consola:</a:t>
+            </a:r>
+          </a:p>
+          <a:p>
+            <a:pPr algn="ctr"/>
+            <a:r>
+              <a:rPr lang="es-ES" dirty="0"/>
+              <a:t>Scanner </a:t>
+            </a:r>
+            <a:r>
+              <a:rPr lang="es-ES" dirty="0" err="1"/>
+              <a:t>sc</a:t>
+            </a:r>
+            <a:r>
+              <a:rPr lang="es-ES" dirty="0"/>
+              <a:t> = new Scanner(System.in);</a:t>
+            </a:r>
+          </a:p>
+          <a:p>
+            <a:pPr algn="ctr"/>
+            <a:r>
+              <a:rPr lang="es-ES" dirty="0" err="1"/>
+              <a:t>System.out.println</a:t>
+            </a:r>
+            <a:r>
+              <a:rPr lang="es-ES" dirty="0"/>
+              <a:t>(“Introduce…”);</a:t>
+            </a:r>
+          </a:p>
+          <a:p>
+            <a:pPr algn="ctr"/>
+            <a:r>
+              <a:rPr lang="es-ES" dirty="0" err="1"/>
+              <a:t>String</a:t>
+            </a:r>
+            <a:r>
+              <a:rPr lang="es-ES" dirty="0"/>
+              <a:t> </a:t>
+            </a:r>
+            <a:r>
+              <a:rPr lang="es-ES" dirty="0" err="1"/>
+              <a:t>name</a:t>
+            </a:r>
+            <a:r>
+              <a:rPr lang="es-ES" dirty="0"/>
+              <a:t> = </a:t>
+            </a:r>
+            <a:r>
+              <a:rPr lang="es-ES" dirty="0" err="1"/>
+              <a:t>sc.nextLine</a:t>
+            </a:r>
+            <a:r>
+              <a:rPr lang="es-ES" dirty="0"/>
+              <a:t>();</a:t>
+            </a:r>
+          </a:p>
+          <a:p>
+            <a:pPr algn="ctr"/>
+            <a:r>
+              <a:rPr lang="es-ES" dirty="0" err="1"/>
+              <a:t>Sc.close</a:t>
+            </a:r>
+            <a:r>
+              <a:rPr lang="es-ES" dirty="0"/>
+              <a:t>();</a:t>
+            </a:r>
+          </a:p>
+          <a:p>
+            <a:r>
+              <a:rPr lang="es-ES" dirty="0"/>
+              <a:t>Cambio de </a:t>
+            </a:r>
+            <a:r>
+              <a:rPr lang="es-ES" dirty="0" err="1"/>
+              <a:t>String</a:t>
+            </a:r>
+            <a:r>
+              <a:rPr lang="es-ES" dirty="0"/>
+              <a:t> a </a:t>
+            </a:r>
+            <a:r>
+              <a:rPr lang="es-ES" dirty="0" err="1"/>
+              <a:t>num</a:t>
+            </a:r>
+            <a:r>
+              <a:rPr lang="es-ES" dirty="0"/>
+              <a:t>:</a:t>
+            </a:r>
+          </a:p>
+          <a:p>
+            <a:pPr marL="0" marR="0">
+              <a:spcBef>
+                <a:spcPts val="0"/>
+              </a:spcBef>
+              <a:spcAft>
+                <a:spcPts val="0"/>
+              </a:spcAft>
+            </a:pPr>
+            <a:r>
+              <a:rPr lang="es-ES" sz="1600" dirty="0" err="1">
+                <a:effectLst/>
+                <a:latin typeface="Courier New" panose="02070309020205020404" pitchFamily="49" charset="0"/>
+              </a:rPr>
+              <a:t>String</a:t>
+            </a:r>
+            <a:r>
+              <a:rPr lang="es-ES" sz="1600" dirty="0">
+                <a:effectLst/>
+                <a:latin typeface="Courier New" panose="02070309020205020404" pitchFamily="49" charset="0"/>
+              </a:rPr>
+              <a:t> </a:t>
+            </a:r>
+            <a:r>
+              <a:rPr lang="es-ES" sz="1600" dirty="0" err="1">
+                <a:effectLst/>
+                <a:latin typeface="Courier New" panose="02070309020205020404" pitchFamily="49" charset="0"/>
+              </a:rPr>
+              <a:t>aINTRO</a:t>
+            </a:r>
+            <a:r>
+              <a:rPr lang="es-ES" sz="1600" dirty="0">
+                <a:effectLst/>
+                <a:latin typeface="Courier New" panose="02070309020205020404" pitchFamily="49" charset="0"/>
+              </a:rPr>
+              <a:t> = </a:t>
+            </a:r>
+            <a:r>
+              <a:rPr lang="es-ES" sz="1600" dirty="0" err="1">
+                <a:effectLst/>
+                <a:latin typeface="Courier New" panose="02070309020205020404" pitchFamily="49" charset="0"/>
+              </a:rPr>
+              <a:t>sc.nextLine</a:t>
+            </a:r>
+            <a:r>
+              <a:rPr lang="es-ES" sz="1600" dirty="0">
+                <a:effectLst/>
+                <a:latin typeface="Courier New" panose="02070309020205020404" pitchFamily="49" charset="0"/>
+              </a:rPr>
+              <a:t>();</a:t>
+            </a:r>
+          </a:p>
+          <a:p>
+            <a:pPr marL="0" marR="0">
+              <a:spcBef>
+                <a:spcPts val="0"/>
+              </a:spcBef>
+              <a:spcAft>
+                <a:spcPts val="0"/>
+              </a:spcAft>
+            </a:pPr>
+            <a:r>
+              <a:rPr lang="es-ES" sz="1600" dirty="0" err="1">
+                <a:effectLst/>
+                <a:latin typeface="Courier New" panose="02070309020205020404" pitchFamily="49" charset="0"/>
+              </a:rPr>
+              <a:t>int</a:t>
+            </a:r>
+            <a:r>
+              <a:rPr lang="es-ES" sz="1600" dirty="0">
+                <a:effectLst/>
+                <a:latin typeface="Courier New" panose="02070309020205020404" pitchFamily="49" charset="0"/>
+              </a:rPr>
+              <a:t> a = </a:t>
+            </a:r>
+            <a:r>
+              <a:rPr lang="es-ES" sz="1600" dirty="0" err="1">
+                <a:effectLst/>
+                <a:latin typeface="Courier New" panose="02070309020205020404" pitchFamily="49" charset="0"/>
+              </a:rPr>
+              <a:t>Integer.</a:t>
+            </a:r>
+            <a:r>
+              <a:rPr lang="es-ES" sz="1600" i="1" dirty="0" err="1">
+                <a:effectLst/>
+                <a:latin typeface="Courier New" panose="02070309020205020404" pitchFamily="49" charset="0"/>
+              </a:rPr>
+              <a:t>parseInt</a:t>
+            </a:r>
+            <a:r>
+              <a:rPr lang="es-ES" sz="1600" dirty="0">
+                <a:effectLst/>
+                <a:latin typeface="Courier New" panose="02070309020205020404" pitchFamily="49" charset="0"/>
+              </a:rPr>
+              <a:t>(</a:t>
+            </a:r>
+            <a:r>
+              <a:rPr lang="es-ES" sz="1600" dirty="0" err="1">
+                <a:effectLst/>
+                <a:latin typeface="Courier New" panose="02070309020205020404" pitchFamily="49" charset="0"/>
+              </a:rPr>
+              <a:t>aINTRO</a:t>
+            </a:r>
+            <a:r>
+              <a:rPr lang="es-ES" sz="1600" dirty="0">
+                <a:effectLst/>
+                <a:latin typeface="Courier New" panose="02070309020205020404" pitchFamily="49" charset="0"/>
+              </a:rPr>
+              <a:t>); (entero)</a:t>
+            </a:r>
+          </a:p>
+          <a:p>
+            <a:pPr marL="0" marR="0">
+              <a:spcBef>
+                <a:spcPts val="0"/>
+              </a:spcBef>
+              <a:spcAft>
+                <a:spcPts val="0"/>
+              </a:spcAft>
+            </a:pPr>
+            <a:r>
+              <a:rPr lang="fr-FR" sz="1600" dirty="0">
+                <a:effectLst/>
+                <a:latin typeface="Courier New" panose="02070309020205020404" pitchFamily="49" charset="0"/>
+              </a:rPr>
+              <a:t>double a = </a:t>
+            </a:r>
+            <a:r>
+              <a:rPr lang="fr-FR" sz="1600" dirty="0" err="1">
+                <a:effectLst/>
+                <a:latin typeface="Courier New" panose="02070309020205020404" pitchFamily="49" charset="0"/>
+              </a:rPr>
+              <a:t>Double.</a:t>
+            </a:r>
+            <a:r>
+              <a:rPr lang="fr-FR" sz="1600" i="1" dirty="0" err="1">
+                <a:effectLst/>
+                <a:latin typeface="Courier New" panose="02070309020205020404" pitchFamily="49" charset="0"/>
+              </a:rPr>
+              <a:t>parseDouble</a:t>
+            </a:r>
+            <a:r>
+              <a:rPr lang="fr-FR" sz="1600" dirty="0">
+                <a:effectLst/>
+                <a:latin typeface="Courier New" panose="02070309020205020404" pitchFamily="49" charset="0"/>
+              </a:rPr>
+              <a:t>(</a:t>
+            </a:r>
+            <a:r>
+              <a:rPr lang="fr-FR" sz="1600" dirty="0" err="1">
+                <a:effectLst/>
+                <a:latin typeface="Courier New" panose="02070309020205020404" pitchFamily="49" charset="0"/>
+              </a:rPr>
+              <a:t>aINTRO</a:t>
+            </a:r>
+            <a:r>
+              <a:rPr lang="fr-FR" sz="1600" dirty="0">
+                <a:effectLst/>
+                <a:latin typeface="Courier New" panose="02070309020205020404" pitchFamily="49" charset="0"/>
+              </a:rPr>
+              <a:t>);(</a:t>
+            </a:r>
+            <a:r>
+              <a:rPr lang="fr-FR" sz="1600" dirty="0" err="1">
+                <a:effectLst/>
+                <a:latin typeface="Courier New" panose="02070309020205020404" pitchFamily="49" charset="0"/>
+              </a:rPr>
+              <a:t>dec</a:t>
+            </a:r>
+            <a:r>
+              <a:rPr lang="fr-FR" sz="1600" dirty="0" err="1">
+                <a:latin typeface="Courier New" panose="02070309020205020404" pitchFamily="49" charset="0"/>
+              </a:rPr>
+              <a:t>imal</a:t>
+            </a:r>
+            <a:r>
+              <a:rPr lang="fr-FR" sz="1600" dirty="0">
+                <a:latin typeface="Courier New" panose="02070309020205020404" pitchFamily="49" charset="0"/>
+              </a:rPr>
+              <a:t>)</a:t>
+            </a:r>
+            <a:endParaRPr lang="es-ES" sz="1600" dirty="0"/>
+          </a:p>
+        </p:txBody>
+      </p:sp>
+      <p:sp>
+        <p:nvSpPr>
+          <p:cNvPr id="7" name="Elipse 6">
+            <a:extLst>
+              <a:ext uri="{FF2B5EF4-FFF2-40B4-BE49-F238E27FC236}">
+                <a16:creationId xmlns:a16="http://schemas.microsoft.com/office/drawing/2014/main" id="{598254A4-0819-0AFB-4822-E9566A9883D5}"/>
+              </a:ext>
+            </a:extLst>
+          </p:cNvPr>
+          <p:cNvSpPr/>
+          <p:nvPr/>
+        </p:nvSpPr>
+        <p:spPr>
+          <a:xfrm>
+            <a:off x="162558" y="73794"/>
+            <a:ext cx="785303" cy="755583"/>
+          </a:xfrm>
+          <a:prstGeom prst="ellipse">
+            <a:avLst/>
+          </a:prstGeom>
+        </p:spPr>
+        <p:style>
+          <a:lnRef idx="2">
+            <a:schemeClr val="accent1">
+              <a:shade val="15000"/>
+            </a:schemeClr>
+          </a:lnRef>
+          <a:fillRef idx="1">
+            <a:schemeClr val="accent1"/>
+          </a:fillRef>
+          <a:effectRef idx="0">
+            <a:schemeClr val="accent1"/>
+          </a:effectRef>
+          <a:fontRef idx="minor">
+            <a:schemeClr val="lt1"/>
+          </a:fontRef>
+        </p:style>
+        <p:txBody>
+          <a:bodyPr rtlCol="0" anchor="ctr"/>
+          <a:lstStyle/>
+          <a:p>
+            <a:pPr algn="ctr"/>
+            <a:r>
+              <a:rPr lang="es-ES" b="1" dirty="0"/>
+              <a:t>TA5</a:t>
+            </a:r>
+          </a:p>
+        </p:txBody>
+      </p:sp>
+      <p:pic>
+        <p:nvPicPr>
+          <p:cNvPr id="4" name="Imagen 3">
+            <a:extLst>
+              <a:ext uri="{FF2B5EF4-FFF2-40B4-BE49-F238E27FC236}">
+                <a16:creationId xmlns:a16="http://schemas.microsoft.com/office/drawing/2014/main" id="{E1FD3193-417E-EB10-C5FA-C62018D8A9EB}"/>
+              </a:ext>
+            </a:extLst>
+          </p:cNvPr>
+          <p:cNvPicPr>
+            <a:picLocks noChangeAspect="1"/>
+          </p:cNvPicPr>
+          <p:nvPr/>
+        </p:nvPicPr>
+        <p:blipFill>
+          <a:blip r:embed="rId2"/>
+          <a:stretch>
+            <a:fillRect/>
+          </a:stretch>
+        </p:blipFill>
+        <p:spPr>
+          <a:xfrm>
+            <a:off x="6300885" y="709555"/>
+            <a:ext cx="5184502" cy="2197169"/>
+          </a:xfrm>
+          <a:prstGeom prst="rect">
+            <a:avLst/>
+          </a:prstGeom>
+        </p:spPr>
+      </p:pic>
+      <p:pic>
+        <p:nvPicPr>
+          <p:cNvPr id="9" name="Imagen 8">
+            <a:extLst>
+              <a:ext uri="{FF2B5EF4-FFF2-40B4-BE49-F238E27FC236}">
+                <a16:creationId xmlns:a16="http://schemas.microsoft.com/office/drawing/2014/main" id="{D8FD2BFB-A43D-68EB-4875-4E3504E2825D}"/>
+              </a:ext>
+            </a:extLst>
+          </p:cNvPr>
+          <p:cNvPicPr>
+            <a:picLocks noChangeAspect="1"/>
+          </p:cNvPicPr>
+          <p:nvPr/>
+        </p:nvPicPr>
+        <p:blipFill>
+          <a:blip r:embed="rId3"/>
+          <a:stretch>
+            <a:fillRect/>
+          </a:stretch>
+        </p:blipFill>
+        <p:spPr>
+          <a:xfrm>
+            <a:off x="6347926" y="3083291"/>
+            <a:ext cx="4435224" cy="2530059"/>
+          </a:xfrm>
+          <a:prstGeom prst="rect">
+            <a:avLst/>
+          </a:prstGeom>
+        </p:spPr>
+      </p:pic>
+      <p:pic>
+        <p:nvPicPr>
+          <p:cNvPr id="11" name="Imagen 10">
+            <a:extLst>
+              <a:ext uri="{FF2B5EF4-FFF2-40B4-BE49-F238E27FC236}">
+                <a16:creationId xmlns:a16="http://schemas.microsoft.com/office/drawing/2014/main" id="{66CAB7C6-D61D-4B23-B25E-EFFD057AC69C}"/>
+              </a:ext>
+            </a:extLst>
+          </p:cNvPr>
+          <p:cNvPicPr>
+            <a:picLocks noChangeAspect="1"/>
+          </p:cNvPicPr>
+          <p:nvPr/>
+        </p:nvPicPr>
+        <p:blipFill>
+          <a:blip r:embed="rId4"/>
+          <a:stretch>
+            <a:fillRect/>
+          </a:stretch>
+        </p:blipFill>
+        <p:spPr>
+          <a:xfrm>
+            <a:off x="6347926" y="5733076"/>
+            <a:ext cx="5701480" cy="1124924"/>
+          </a:xfrm>
+          <a:prstGeom prst="rect">
+            <a:avLst/>
+          </a:prstGeom>
+        </p:spPr>
+      </p:pic>
+      <p:sp>
+        <p:nvSpPr>
+          <p:cNvPr id="12" name="CuadroTexto 11">
+            <a:extLst>
+              <a:ext uri="{FF2B5EF4-FFF2-40B4-BE49-F238E27FC236}">
+                <a16:creationId xmlns:a16="http://schemas.microsoft.com/office/drawing/2014/main" id="{C7650A8B-8202-E201-6C68-7A74B8254A19}"/>
+              </a:ext>
+            </a:extLst>
+          </p:cNvPr>
+          <p:cNvSpPr txBox="1"/>
+          <p:nvPr/>
+        </p:nvSpPr>
+        <p:spPr>
+          <a:xfrm>
+            <a:off x="162558" y="5860876"/>
+            <a:ext cx="5933440" cy="923330"/>
+          </a:xfrm>
+          <a:prstGeom prst="rect">
+            <a:avLst/>
+          </a:prstGeom>
+          <a:noFill/>
+          <a:ln>
+            <a:solidFill>
+              <a:schemeClr val="tx1"/>
+            </a:solidFill>
+            <a:prstDash val="lgDash"/>
+          </a:ln>
+        </p:spPr>
+        <p:txBody>
+          <a:bodyPr wrap="square" rtlCol="0">
+            <a:spAutoFit/>
+          </a:bodyPr>
+          <a:lstStyle/>
+          <a:p>
+            <a:pPr algn="ctr"/>
+            <a:r>
+              <a:rPr lang="es-ES" b="1" dirty="0"/>
+              <a:t>Métodos </a:t>
+            </a:r>
+            <a:r>
+              <a:rPr lang="es-ES" b="1" dirty="0" err="1"/>
+              <a:t>Math</a:t>
+            </a:r>
+            <a:r>
+              <a:rPr lang="es-ES" b="1" dirty="0"/>
+              <a:t>:</a:t>
+            </a:r>
+          </a:p>
+          <a:p>
+            <a:pPr algn="ctr"/>
+            <a:r>
+              <a:rPr lang="es-ES" dirty="0" err="1"/>
+              <a:t>Math.método</a:t>
+            </a:r>
+            <a:r>
+              <a:rPr lang="es-ES" dirty="0"/>
+              <a:t>(parámetros)</a:t>
+            </a:r>
+          </a:p>
+          <a:p>
+            <a:pPr algn="ctr"/>
+            <a:r>
+              <a:rPr lang="es-ES" dirty="0" err="1"/>
+              <a:t>ej</a:t>
+            </a:r>
+            <a:r>
+              <a:rPr lang="es-ES" dirty="0"/>
+              <a:t>: Pi </a:t>
+            </a:r>
+            <a:r>
+              <a:rPr lang="es-ES" dirty="0">
+                <a:sym typeface="Wingdings" panose="05000000000000000000" pitchFamily="2" charset="2"/>
+              </a:rPr>
+              <a:t> </a:t>
+            </a:r>
+            <a:r>
+              <a:rPr lang="es-ES" dirty="0" err="1">
+                <a:sym typeface="Wingdings" panose="05000000000000000000" pitchFamily="2" charset="2"/>
+              </a:rPr>
+              <a:t>Math.PI</a:t>
+            </a:r>
+            <a:r>
+              <a:rPr lang="es-ES" dirty="0">
+                <a:sym typeface="Wingdings" panose="05000000000000000000" pitchFamily="2" charset="2"/>
+              </a:rPr>
+              <a:t>; </a:t>
+            </a:r>
+            <a:r>
+              <a:rPr lang="es-ES" dirty="0" err="1">
+                <a:sym typeface="Wingdings" panose="05000000000000000000" pitchFamily="2" charset="2"/>
+              </a:rPr>
+              <a:t>ej</a:t>
+            </a:r>
+            <a:r>
+              <a:rPr lang="es-ES" dirty="0">
+                <a:sym typeface="Wingdings" panose="05000000000000000000" pitchFamily="2" charset="2"/>
+              </a:rPr>
+              <a:t>: potencia  </a:t>
+            </a:r>
+            <a:r>
+              <a:rPr lang="es-ES" dirty="0" err="1">
+                <a:sym typeface="Wingdings" panose="05000000000000000000" pitchFamily="2" charset="2"/>
+              </a:rPr>
+              <a:t>Math.pow</a:t>
+            </a:r>
+            <a:r>
+              <a:rPr lang="es-ES" dirty="0">
+                <a:sym typeface="Wingdings" panose="05000000000000000000" pitchFamily="2" charset="2"/>
+              </a:rPr>
+              <a:t>(base, </a:t>
+            </a:r>
+            <a:r>
+              <a:rPr lang="es-ES" dirty="0" err="1">
+                <a:sym typeface="Wingdings" panose="05000000000000000000" pitchFamily="2" charset="2"/>
+              </a:rPr>
+              <a:t>exp</a:t>
+            </a:r>
+            <a:r>
+              <a:rPr lang="es-ES" dirty="0">
+                <a:sym typeface="Wingdings" panose="05000000000000000000" pitchFamily="2" charset="2"/>
+              </a:rPr>
+              <a:t>);</a:t>
+            </a:r>
+            <a:endParaRPr lang="es-ES" dirty="0"/>
+          </a:p>
+        </p:txBody>
+      </p:sp>
+      <p:sp>
+        <p:nvSpPr>
+          <p:cNvPr id="13" name="CuadroTexto 12">
+            <a:extLst>
+              <a:ext uri="{FF2B5EF4-FFF2-40B4-BE49-F238E27FC236}">
+                <a16:creationId xmlns:a16="http://schemas.microsoft.com/office/drawing/2014/main" id="{73C3F730-FB55-A538-9F18-280F8E18BF7B}"/>
+              </a:ext>
+            </a:extLst>
+          </p:cNvPr>
+          <p:cNvSpPr txBox="1"/>
+          <p:nvPr/>
+        </p:nvSpPr>
+        <p:spPr>
+          <a:xfrm>
+            <a:off x="162558" y="3831958"/>
+            <a:ext cx="5933440" cy="1477328"/>
+          </a:xfrm>
+          <a:prstGeom prst="rect">
+            <a:avLst/>
+          </a:prstGeom>
+          <a:noFill/>
+          <a:ln>
+            <a:solidFill>
+              <a:schemeClr val="tx1"/>
+            </a:solidFill>
+            <a:prstDash val="lgDash"/>
+          </a:ln>
+        </p:spPr>
+        <p:txBody>
+          <a:bodyPr wrap="square" rtlCol="0">
+            <a:spAutoFit/>
+          </a:bodyPr>
+          <a:lstStyle/>
+          <a:p>
+            <a:pPr algn="ctr"/>
+            <a:endParaRPr lang="es-ES" b="1" dirty="0"/>
+          </a:p>
+          <a:p>
+            <a:pPr algn="ctr"/>
+            <a:r>
+              <a:rPr lang="es-ES" b="1" dirty="0"/>
+              <a:t>Entrada y salida ventana pop-up:</a:t>
+            </a:r>
+          </a:p>
+          <a:p>
+            <a:pPr algn="ctr"/>
+            <a:r>
+              <a:rPr lang="es-ES" dirty="0" err="1"/>
+              <a:t>String</a:t>
+            </a:r>
+            <a:r>
+              <a:rPr lang="es-ES" dirty="0"/>
+              <a:t> </a:t>
+            </a:r>
+            <a:r>
+              <a:rPr lang="es-ES" dirty="0" err="1"/>
+              <a:t>name</a:t>
+            </a:r>
+            <a:r>
+              <a:rPr lang="es-ES" dirty="0"/>
+              <a:t> = </a:t>
+            </a:r>
+            <a:r>
+              <a:rPr lang="es-ES" dirty="0" err="1"/>
+              <a:t>JOptionPane.showInputDialog</a:t>
+            </a:r>
+            <a:r>
+              <a:rPr lang="es-ES" dirty="0"/>
+              <a:t>(“Introduce..:”);</a:t>
+            </a:r>
+          </a:p>
+          <a:p>
+            <a:pPr algn="ctr"/>
+            <a:r>
+              <a:rPr lang="es-ES" dirty="0" err="1"/>
+              <a:t>JOptionPane.showMessageDialog</a:t>
+            </a:r>
+            <a:r>
+              <a:rPr lang="es-ES" dirty="0"/>
+              <a:t>(</a:t>
+            </a:r>
+            <a:r>
+              <a:rPr lang="es-ES" dirty="0" err="1"/>
+              <a:t>null</a:t>
+            </a:r>
+            <a:r>
+              <a:rPr lang="es-ES" dirty="0"/>
+              <a:t>, “Hola… “+</a:t>
+            </a:r>
+            <a:r>
+              <a:rPr lang="es-ES" dirty="0" err="1"/>
+              <a:t>name</a:t>
+            </a:r>
+            <a:r>
+              <a:rPr lang="es-ES" dirty="0"/>
+              <a:t>);</a:t>
+            </a:r>
+          </a:p>
+          <a:p>
+            <a:pPr algn="ctr"/>
+            <a:endParaRPr lang="es-ES" dirty="0"/>
+          </a:p>
+        </p:txBody>
+      </p:sp>
+      <p:pic>
+        <p:nvPicPr>
+          <p:cNvPr id="15" name="Imagen 14">
+            <a:extLst>
+              <a:ext uri="{FF2B5EF4-FFF2-40B4-BE49-F238E27FC236}">
+                <a16:creationId xmlns:a16="http://schemas.microsoft.com/office/drawing/2014/main" id="{0CC884F4-DC7E-80DA-488B-3457F540739F}"/>
+              </a:ext>
+            </a:extLst>
+          </p:cNvPr>
+          <p:cNvPicPr>
+            <a:picLocks noChangeAspect="1"/>
+          </p:cNvPicPr>
+          <p:nvPr/>
+        </p:nvPicPr>
+        <p:blipFill>
+          <a:blip r:embed="rId5"/>
+          <a:stretch>
+            <a:fillRect/>
+          </a:stretch>
+        </p:blipFill>
+        <p:spPr>
+          <a:xfrm>
+            <a:off x="9438417" y="3083291"/>
+            <a:ext cx="2591025" cy="1234547"/>
+          </a:xfrm>
+          <a:prstGeom prst="rect">
+            <a:avLst/>
+          </a:prstGeom>
+        </p:spPr>
+      </p:pic>
+    </p:spTree>
+    <p:extLst>
+      <p:ext uri="{BB962C8B-B14F-4D97-AF65-F5344CB8AC3E}">
+        <p14:creationId xmlns:p14="http://schemas.microsoft.com/office/powerpoint/2010/main" val="2816663302"/>
+      </p:ext>
+    </p:extLst>
+  </p:cSld>
+  <p:clrMapOvr>
+    <a:masterClrMapping/>
+  </p:clrMapOvr>
+</p:sld>
+</file>
+
+<file path=ppt/slides/slide3.xml><?xml version="1.0" encoding="utf-8"?>
+<p:sld xmlns:a="http://schemas.openxmlformats.org/drawingml/2006/main" xmlns:r="http://schemas.openxmlformats.org/officeDocument/2006/relationships" xmlns:p="http://schemas.openxmlformats.org/presentationml/2006/main">
+  <p:cSld>
+    <p:spTree>
+      <p:nvGrpSpPr>
+        <p:cNvPr id="1" name="">
+          <a:extLst>
+            <a:ext uri="{FF2B5EF4-FFF2-40B4-BE49-F238E27FC236}">
+              <a16:creationId xmlns:a16="http://schemas.microsoft.com/office/drawing/2014/main" id="{9871C429-F464-1048-5747-9A667854AA85}"/>
+            </a:ext>
+          </a:extLst>
+        </p:cNvPr>
+        <p:cNvGrpSpPr/>
+        <p:nvPr/>
+      </p:nvGrpSpPr>
+      <p:grpSpPr>
+        <a:xfrm>
+          <a:off x="0" y="0"/>
+          <a:ext cx="0" cy="0"/>
+          <a:chOff x="0" y="0"/>
+          <a:chExt cx="0" cy="0"/>
+        </a:xfrm>
+      </p:grpSpPr>
+      <p:sp>
+        <p:nvSpPr>
+          <p:cNvPr id="6" name="CuadroTexto 5">
+            <a:extLst>
+              <a:ext uri="{FF2B5EF4-FFF2-40B4-BE49-F238E27FC236}">
+                <a16:creationId xmlns:a16="http://schemas.microsoft.com/office/drawing/2014/main" id="{96B20DBE-7515-21E8-DD9D-A2043E6E8643}"/>
+              </a:ext>
+            </a:extLst>
+          </p:cNvPr>
+          <p:cNvSpPr txBox="1"/>
+          <p:nvPr/>
+        </p:nvSpPr>
+        <p:spPr>
+          <a:xfrm>
+            <a:off x="1152746" y="203962"/>
+            <a:ext cx="5552854" cy="584775"/>
+          </a:xfrm>
+          <a:prstGeom prst="rect">
+            <a:avLst/>
+          </a:prstGeom>
+          <a:noFill/>
+          <a:ln w="19050">
+            <a:solidFill>
+              <a:schemeClr val="tx1"/>
+            </a:solidFill>
+          </a:ln>
+        </p:spPr>
+        <p:txBody>
+          <a:bodyPr wrap="square" rtlCol="0">
+            <a:spAutoFit/>
+          </a:bodyPr>
+          <a:lstStyle/>
+          <a:p>
+            <a:pPr algn="ctr"/>
+            <a:r>
+              <a:rPr lang="es-ES" sz="3200" b="1" dirty="0"/>
+              <a:t>C2 JAVA BASICS - condicionales</a:t>
+            </a:r>
+          </a:p>
+        </p:txBody>
+      </p:sp>
+      <p:sp>
+        <p:nvSpPr>
+          <p:cNvPr id="2" name="CuadroTexto 1">
+            <a:extLst>
+              <a:ext uri="{FF2B5EF4-FFF2-40B4-BE49-F238E27FC236}">
+                <a16:creationId xmlns:a16="http://schemas.microsoft.com/office/drawing/2014/main" id="{7D7F6851-4632-827A-1E5C-2566F2E3D8F8}"/>
+              </a:ext>
+            </a:extLst>
+          </p:cNvPr>
+          <p:cNvSpPr txBox="1"/>
+          <p:nvPr/>
+        </p:nvSpPr>
+        <p:spPr>
+          <a:xfrm>
+            <a:off x="162560" y="930976"/>
+            <a:ext cx="5333171" cy="5601533"/>
+          </a:xfrm>
+          <a:prstGeom prst="rect">
+            <a:avLst/>
+          </a:prstGeom>
+          <a:noFill/>
+          <a:ln>
+            <a:solidFill>
+              <a:schemeClr val="tx1"/>
+            </a:solidFill>
+            <a:prstDash val="lgDash"/>
+          </a:ln>
+        </p:spPr>
+        <p:txBody>
+          <a:bodyPr wrap="square" rtlCol="0">
+            <a:spAutoFit/>
+          </a:bodyPr>
+          <a:lstStyle/>
+          <a:p>
+            <a:pPr algn="ctr"/>
+            <a:r>
+              <a:rPr lang="es-ES" sz="2000" b="1" dirty="0"/>
+              <a:t>Condicional </a:t>
+            </a:r>
+            <a:r>
+              <a:rPr lang="es-ES" sz="2000" b="1" i="1" dirty="0" err="1"/>
+              <a:t>if</a:t>
+            </a:r>
+            <a:r>
+              <a:rPr lang="es-ES" sz="2000" b="1" dirty="0"/>
+              <a:t>:</a:t>
+            </a:r>
+          </a:p>
+          <a:p>
+            <a:pPr algn="ctr"/>
+            <a:r>
+              <a:rPr lang="es-ES" b="1" dirty="0" err="1"/>
+              <a:t>if</a:t>
+            </a:r>
+            <a:r>
+              <a:rPr lang="es-ES" b="1" dirty="0"/>
+              <a:t> (</a:t>
+            </a:r>
+            <a:r>
+              <a:rPr lang="es-ES" b="1" dirty="0">
+                <a:solidFill>
+                  <a:schemeClr val="accent1"/>
+                </a:solidFill>
+              </a:rPr>
+              <a:t>condición</a:t>
+            </a:r>
+            <a:r>
+              <a:rPr lang="es-ES" b="1" dirty="0"/>
+              <a:t>){Instrucciones}</a:t>
+            </a:r>
+          </a:p>
+          <a:p>
+            <a:pPr algn="ctr"/>
+            <a:r>
+              <a:rPr lang="es-ES" dirty="0">
+                <a:solidFill>
+                  <a:schemeClr val="accent1"/>
+                </a:solidFill>
+              </a:rPr>
+              <a:t>Valores numéricos (</a:t>
+            </a:r>
+            <a:r>
+              <a:rPr lang="es-ES" dirty="0" err="1">
+                <a:solidFill>
+                  <a:schemeClr val="accent1"/>
+                </a:solidFill>
+              </a:rPr>
+              <a:t>int</a:t>
+            </a:r>
+            <a:r>
+              <a:rPr lang="es-ES" dirty="0">
+                <a:solidFill>
+                  <a:schemeClr val="accent1"/>
+                </a:solidFill>
+              </a:rPr>
+              <a:t>/</a:t>
+            </a:r>
+            <a:r>
+              <a:rPr lang="es-ES" dirty="0" err="1">
+                <a:solidFill>
+                  <a:schemeClr val="accent1"/>
+                </a:solidFill>
+              </a:rPr>
+              <a:t>double</a:t>
+            </a:r>
+            <a:r>
+              <a:rPr lang="es-ES" dirty="0">
+                <a:solidFill>
+                  <a:schemeClr val="accent1"/>
+                </a:solidFill>
+              </a:rPr>
+              <a:t>)</a:t>
+            </a:r>
+            <a:r>
+              <a:rPr lang="es-ES" dirty="0"/>
+              <a:t>: ==, !=, &gt;=, etc.</a:t>
+            </a:r>
+          </a:p>
+          <a:p>
+            <a:pPr algn="ctr"/>
+            <a:r>
+              <a:rPr lang="es-ES" dirty="0">
+                <a:solidFill>
+                  <a:schemeClr val="accent1"/>
+                </a:solidFill>
+              </a:rPr>
+              <a:t>.</a:t>
+            </a:r>
+            <a:r>
+              <a:rPr lang="es-ES" dirty="0" err="1">
+                <a:solidFill>
+                  <a:schemeClr val="accent1"/>
+                </a:solidFill>
+              </a:rPr>
+              <a:t>txt</a:t>
+            </a:r>
+            <a:r>
+              <a:rPr lang="es-ES" dirty="0">
+                <a:solidFill>
+                  <a:schemeClr val="accent1"/>
+                </a:solidFill>
+              </a:rPr>
+              <a:t> (</a:t>
+            </a:r>
+            <a:r>
+              <a:rPr lang="es-ES" dirty="0" err="1">
+                <a:solidFill>
+                  <a:schemeClr val="accent1"/>
+                </a:solidFill>
+              </a:rPr>
+              <a:t>string</a:t>
+            </a:r>
+            <a:r>
+              <a:rPr lang="es-ES" dirty="0">
+                <a:solidFill>
+                  <a:schemeClr val="accent1"/>
+                </a:solidFill>
+              </a:rPr>
+              <a:t>)</a:t>
+            </a:r>
+            <a:r>
+              <a:rPr lang="es-ES" dirty="0"/>
+              <a:t>: </a:t>
+            </a:r>
+            <a:r>
+              <a:rPr lang="es-ES" dirty="0" err="1"/>
+              <a:t>stringNEW.equals</a:t>
+            </a:r>
+            <a:r>
+              <a:rPr lang="es-ES" dirty="0"/>
+              <a:t>(</a:t>
+            </a:r>
+            <a:r>
+              <a:rPr lang="es-ES" dirty="0" err="1"/>
+              <a:t>stringBaseParaComparar</a:t>
+            </a:r>
+            <a:r>
+              <a:rPr lang="es-ES" dirty="0"/>
+              <a:t>/Limite)</a:t>
+            </a:r>
+          </a:p>
+          <a:p>
+            <a:pPr algn="ctr"/>
+            <a:r>
+              <a:rPr lang="es-ES" i="1" dirty="0"/>
+              <a:t>!delante equivale a != (=/=, diferente a)</a:t>
+            </a:r>
+          </a:p>
+          <a:p>
+            <a:pPr algn="ctr"/>
+            <a:r>
+              <a:rPr lang="es-ES" i="1" dirty="0"/>
+              <a:t>(!</a:t>
+            </a:r>
+            <a:r>
+              <a:rPr lang="es-ES" i="1" dirty="0" err="1"/>
+              <a:t>string</a:t>
+            </a:r>
+            <a:r>
+              <a:rPr lang="es-ES" i="1" dirty="0"/>
+              <a:t>…)</a:t>
+            </a:r>
+          </a:p>
+          <a:p>
+            <a:pPr algn="ctr"/>
+            <a:endParaRPr lang="es-ES" dirty="0"/>
+          </a:p>
+          <a:p>
+            <a:pPr algn="ctr"/>
+            <a:r>
+              <a:rPr lang="es-ES" dirty="0"/>
+              <a:t>Se puede enlazar </a:t>
+            </a:r>
+            <a:r>
+              <a:rPr lang="es-ES" b="1" dirty="0" err="1"/>
+              <a:t>if</a:t>
+            </a:r>
+            <a:r>
+              <a:rPr lang="es-ES" dirty="0"/>
+              <a:t> con </a:t>
+            </a:r>
+            <a:r>
+              <a:rPr lang="es-ES" b="1" dirty="0" err="1"/>
+              <a:t>else</a:t>
+            </a:r>
+            <a:r>
+              <a:rPr lang="es-ES" b="1" dirty="0"/>
+              <a:t> </a:t>
+            </a:r>
+            <a:r>
+              <a:rPr lang="es-ES" b="1" dirty="0" err="1"/>
+              <a:t>if</a:t>
+            </a:r>
+            <a:r>
+              <a:rPr lang="es-ES" b="1" dirty="0"/>
+              <a:t> </a:t>
+            </a:r>
+            <a:r>
+              <a:rPr lang="es-ES" dirty="0"/>
+              <a:t>(generado otra condición con instrucciones diferentes,</a:t>
+            </a:r>
+          </a:p>
+          <a:p>
+            <a:pPr algn="ctr"/>
+            <a:r>
+              <a:rPr lang="es-ES" dirty="0"/>
+              <a:t>ya que se usa el </a:t>
+            </a:r>
+            <a:r>
+              <a:rPr lang="es-ES" b="1" dirty="0" err="1"/>
+              <a:t>if</a:t>
+            </a:r>
+            <a:r>
+              <a:rPr lang="es-ES" dirty="0"/>
+              <a:t>).</a:t>
+            </a:r>
+          </a:p>
+          <a:p>
+            <a:pPr algn="ctr"/>
+            <a:r>
+              <a:rPr lang="es-ES" sz="1600" i="1" dirty="0"/>
+              <a:t>Para </a:t>
+            </a:r>
+            <a:r>
+              <a:rPr lang="es-ES" sz="1600" i="1" u="sng" dirty="0"/>
+              <a:t>enlazar </a:t>
+            </a:r>
+            <a:r>
+              <a:rPr lang="es-ES" sz="1600" b="1" i="1" u="sng" dirty="0">
+                <a:solidFill>
+                  <a:schemeClr val="accent1"/>
+                </a:solidFill>
+              </a:rPr>
+              <a:t>diferentes condiciones en un mismo </a:t>
+            </a:r>
+            <a:r>
+              <a:rPr lang="es-ES" sz="1600" b="1" i="1" u="sng" dirty="0" err="1">
+                <a:solidFill>
+                  <a:schemeClr val="accent1"/>
+                </a:solidFill>
+              </a:rPr>
+              <a:t>if</a:t>
+            </a:r>
+            <a:r>
+              <a:rPr lang="es-ES" sz="1600" b="1" i="1" u="sng" dirty="0"/>
+              <a:t> </a:t>
+            </a:r>
+            <a:r>
+              <a:rPr lang="es-ES" sz="1600" i="1" u="sng" dirty="0"/>
+              <a:t>se usa AND y OR</a:t>
+            </a:r>
+            <a:r>
+              <a:rPr lang="es-ES" sz="1600" i="1" dirty="0"/>
+              <a:t> (&amp;&amp; y ||)</a:t>
+            </a:r>
+            <a:endParaRPr lang="es-ES" sz="1600" dirty="0"/>
+          </a:p>
+          <a:p>
+            <a:pPr algn="ctr"/>
+            <a:endParaRPr lang="es-ES" i="1" dirty="0"/>
+          </a:p>
+          <a:p>
+            <a:pPr algn="ctr"/>
+            <a:r>
+              <a:rPr lang="es-ES" b="1" dirty="0"/>
+              <a:t>Condicional </a:t>
+            </a:r>
+            <a:r>
+              <a:rPr lang="es-ES" b="1" dirty="0" err="1"/>
+              <a:t>else</a:t>
+            </a:r>
+            <a:r>
+              <a:rPr lang="es-ES" b="1" dirty="0"/>
+              <a:t>:</a:t>
+            </a:r>
+          </a:p>
+          <a:p>
+            <a:pPr algn="ctr"/>
+            <a:r>
+              <a:rPr lang="es-ES" b="1" dirty="0" err="1"/>
+              <a:t>else</a:t>
+            </a:r>
+            <a:r>
+              <a:rPr lang="es-ES" b="1" dirty="0"/>
+              <a:t>{instrucciones}</a:t>
+            </a:r>
+          </a:p>
+          <a:p>
+            <a:pPr algn="ctr"/>
+            <a:r>
+              <a:rPr lang="es-ES" dirty="0"/>
+              <a:t>Se utiliza para dar instrucciones a todo lo demás que no se haya especificado con las condiciones del </a:t>
+            </a:r>
+            <a:r>
+              <a:rPr lang="es-ES" u="sng" dirty="0" err="1"/>
+              <a:t>if</a:t>
+            </a:r>
+            <a:r>
+              <a:rPr lang="es-ES" u="sng" dirty="0"/>
+              <a:t> anterior</a:t>
+            </a:r>
+            <a:r>
+              <a:rPr lang="es-ES" dirty="0"/>
+              <a:t>.</a:t>
+            </a:r>
+          </a:p>
+          <a:p>
+            <a:pPr algn="ctr"/>
+            <a:endParaRPr lang="es-ES" u="sng" dirty="0"/>
+          </a:p>
+        </p:txBody>
+      </p:sp>
+      <p:sp>
+        <p:nvSpPr>
+          <p:cNvPr id="7" name="Elipse 6">
+            <a:extLst>
+              <a:ext uri="{FF2B5EF4-FFF2-40B4-BE49-F238E27FC236}">
+                <a16:creationId xmlns:a16="http://schemas.microsoft.com/office/drawing/2014/main" id="{14B1773D-5A29-5C7F-2FB0-3A70D70DA636}"/>
+              </a:ext>
+            </a:extLst>
+          </p:cNvPr>
+          <p:cNvSpPr/>
+          <p:nvPr/>
+        </p:nvSpPr>
+        <p:spPr>
+          <a:xfrm>
+            <a:off x="162558" y="73794"/>
+            <a:ext cx="785303" cy="755583"/>
+          </a:xfrm>
+          <a:prstGeom prst="ellipse">
+            <a:avLst/>
+          </a:prstGeom>
+        </p:spPr>
+        <p:style>
+          <a:lnRef idx="2">
+            <a:schemeClr val="accent1">
+              <a:shade val="15000"/>
+            </a:schemeClr>
+          </a:lnRef>
+          <a:fillRef idx="1">
+            <a:schemeClr val="accent1"/>
+          </a:fillRef>
+          <a:effectRef idx="0">
+            <a:schemeClr val="accent1"/>
+          </a:effectRef>
+          <a:fontRef idx="minor">
+            <a:schemeClr val="lt1"/>
+          </a:fontRef>
+        </p:style>
+        <p:txBody>
+          <a:bodyPr rtlCol="0" anchor="ctr"/>
+          <a:lstStyle/>
+          <a:p>
+            <a:pPr algn="ctr"/>
+            <a:r>
+              <a:rPr lang="es-ES" b="1" dirty="0"/>
+              <a:t>TA5</a:t>
+            </a:r>
+          </a:p>
+        </p:txBody>
+      </p:sp>
+      <p:pic>
+        <p:nvPicPr>
+          <p:cNvPr id="5" name="Imagen 4">
+            <a:extLst>
+              <a:ext uri="{FF2B5EF4-FFF2-40B4-BE49-F238E27FC236}">
+                <a16:creationId xmlns:a16="http://schemas.microsoft.com/office/drawing/2014/main" id="{C4F16101-9E98-F0E9-A595-8F7E7CFE95FF}"/>
+              </a:ext>
+            </a:extLst>
+          </p:cNvPr>
+          <p:cNvPicPr>
+            <a:picLocks noChangeAspect="1"/>
+          </p:cNvPicPr>
+          <p:nvPr/>
+        </p:nvPicPr>
+        <p:blipFill>
+          <a:blip r:embed="rId2"/>
+          <a:stretch>
+            <a:fillRect/>
+          </a:stretch>
+        </p:blipFill>
+        <p:spPr>
+          <a:xfrm>
+            <a:off x="7533750" y="208293"/>
+            <a:ext cx="3505504" cy="1242168"/>
+          </a:xfrm>
+          <a:prstGeom prst="rect">
+            <a:avLst/>
+          </a:prstGeom>
+        </p:spPr>
+      </p:pic>
+      <p:pic>
+        <p:nvPicPr>
+          <p:cNvPr id="10" name="Imagen 9">
+            <a:extLst>
+              <a:ext uri="{FF2B5EF4-FFF2-40B4-BE49-F238E27FC236}">
+                <a16:creationId xmlns:a16="http://schemas.microsoft.com/office/drawing/2014/main" id="{DFB532C4-9981-B195-B309-3A511A46BE65}"/>
+              </a:ext>
+            </a:extLst>
+          </p:cNvPr>
+          <p:cNvPicPr>
+            <a:picLocks noChangeAspect="1"/>
+          </p:cNvPicPr>
+          <p:nvPr/>
+        </p:nvPicPr>
+        <p:blipFill>
+          <a:blip r:embed="rId3"/>
+          <a:stretch>
+            <a:fillRect/>
+          </a:stretch>
+        </p:blipFill>
+        <p:spPr>
+          <a:xfrm>
+            <a:off x="5692405" y="2067407"/>
+            <a:ext cx="6424217" cy="4122777"/>
+          </a:xfrm>
+          <a:prstGeom prst="rect">
+            <a:avLst/>
+          </a:prstGeom>
+        </p:spPr>
+      </p:pic>
+    </p:spTree>
+    <p:extLst>
+      <p:ext uri="{BB962C8B-B14F-4D97-AF65-F5344CB8AC3E}">
+        <p14:creationId xmlns:p14="http://schemas.microsoft.com/office/powerpoint/2010/main" val="3348363152"/>
+      </p:ext>
+    </p:extLst>
+  </p:cSld>
+  <p:clrMapOvr>
+    <a:masterClrMapping/>
+  </p:clrMapOvr>
+</p:sld>
+</file>
+
+<file path=ppt/slides/slide4.xml><?xml version="1.0" encoding="utf-8"?>
+<p:sld xmlns:a="http://schemas.openxmlformats.org/drawingml/2006/main" xmlns:r="http://schemas.openxmlformats.org/officeDocument/2006/relationships" xmlns:p="http://schemas.openxmlformats.org/presentationml/2006/main">
+  <p:cSld>
+    <p:spTree>
+      <p:nvGrpSpPr>
+        <p:cNvPr id="1" name="">
+          <a:extLst>
+            <a:ext uri="{FF2B5EF4-FFF2-40B4-BE49-F238E27FC236}">
+              <a16:creationId xmlns:a16="http://schemas.microsoft.com/office/drawing/2014/main" id="{D7095CFD-E2F7-0B19-38C1-8F7DA75711C0}"/>
+            </a:ext>
+          </a:extLst>
+        </p:cNvPr>
+        <p:cNvGrpSpPr/>
+        <p:nvPr/>
+      </p:nvGrpSpPr>
+      <p:grpSpPr>
+        <a:xfrm>
+          <a:off x="0" y="0"/>
+          <a:ext cx="0" cy="0"/>
+          <a:chOff x="0" y="0"/>
+          <a:chExt cx="0" cy="0"/>
+        </a:xfrm>
+      </p:grpSpPr>
+      <p:sp>
+        <p:nvSpPr>
+          <p:cNvPr id="6" name="CuadroTexto 5">
+            <a:extLst>
+              <a:ext uri="{FF2B5EF4-FFF2-40B4-BE49-F238E27FC236}">
+                <a16:creationId xmlns:a16="http://schemas.microsoft.com/office/drawing/2014/main" id="{434EB76F-BBA5-B293-7B09-A382A9418262}"/>
+              </a:ext>
+            </a:extLst>
+          </p:cNvPr>
+          <p:cNvSpPr txBox="1"/>
+          <p:nvPr/>
+        </p:nvSpPr>
+        <p:spPr>
+          <a:xfrm>
+            <a:off x="1152746" y="203962"/>
+            <a:ext cx="5552854" cy="584775"/>
+          </a:xfrm>
+          <a:prstGeom prst="rect">
+            <a:avLst/>
+          </a:prstGeom>
+          <a:noFill/>
+          <a:ln w="19050">
+            <a:solidFill>
+              <a:schemeClr val="tx1"/>
+            </a:solidFill>
+          </a:ln>
+        </p:spPr>
+        <p:txBody>
+          <a:bodyPr wrap="square" rtlCol="0">
+            <a:spAutoFit/>
+          </a:bodyPr>
+          <a:lstStyle/>
+          <a:p>
+            <a:pPr algn="ctr"/>
+            <a:r>
+              <a:rPr lang="es-ES" sz="3200" b="1" dirty="0"/>
+              <a:t>C2 JAVA BASICS - condicionales</a:t>
+            </a:r>
+          </a:p>
+        </p:txBody>
+      </p:sp>
+      <p:sp>
+        <p:nvSpPr>
+          <p:cNvPr id="2" name="CuadroTexto 1">
+            <a:extLst>
+              <a:ext uri="{FF2B5EF4-FFF2-40B4-BE49-F238E27FC236}">
+                <a16:creationId xmlns:a16="http://schemas.microsoft.com/office/drawing/2014/main" id="{514EE803-5288-56B3-53B2-242F3DE8EDAD}"/>
+              </a:ext>
+            </a:extLst>
+          </p:cNvPr>
+          <p:cNvSpPr txBox="1"/>
+          <p:nvPr/>
+        </p:nvSpPr>
+        <p:spPr>
+          <a:xfrm>
+            <a:off x="162560" y="930976"/>
+            <a:ext cx="5333171" cy="5663089"/>
+          </a:xfrm>
+          <a:prstGeom prst="rect">
+            <a:avLst/>
+          </a:prstGeom>
+          <a:noFill/>
+          <a:ln>
+            <a:solidFill>
+              <a:schemeClr val="tx1"/>
+            </a:solidFill>
+            <a:prstDash val="lgDash"/>
+          </a:ln>
+        </p:spPr>
+        <p:txBody>
+          <a:bodyPr wrap="square" rtlCol="0">
+            <a:spAutoFit/>
+          </a:bodyPr>
+          <a:lstStyle/>
+          <a:p>
+            <a:pPr algn="ctr"/>
+            <a:r>
+              <a:rPr lang="es-ES" sz="2000" b="1" dirty="0"/>
+              <a:t>Condicional </a:t>
+            </a:r>
+            <a:r>
+              <a:rPr lang="es-ES" sz="2000" b="1" i="1" dirty="0"/>
+              <a:t>switch</a:t>
+            </a:r>
+            <a:r>
+              <a:rPr lang="es-ES" sz="2000" b="1" dirty="0"/>
+              <a:t>:</a:t>
+            </a:r>
+          </a:p>
+          <a:p>
+            <a:r>
+              <a:rPr lang="es-ES" b="1" dirty="0"/>
+              <a:t>switch (</a:t>
+            </a:r>
+            <a:r>
+              <a:rPr lang="es-ES" b="1" dirty="0" err="1">
+                <a:solidFill>
+                  <a:schemeClr val="accent1"/>
+                </a:solidFill>
+              </a:rPr>
+              <a:t>valorÓvariable</a:t>
+            </a:r>
+            <a:r>
+              <a:rPr lang="es-ES" b="1" dirty="0"/>
+              <a:t>){</a:t>
+            </a:r>
+          </a:p>
+          <a:p>
+            <a:r>
+              <a:rPr lang="es-ES" b="1" dirty="0"/>
+              <a:t>	</a:t>
+            </a:r>
+            <a:r>
+              <a:rPr lang="es-ES" b="1" dirty="0">
+                <a:solidFill>
+                  <a:srgbClr val="00B050"/>
+                </a:solidFill>
+              </a:rPr>
+              <a:t>case</a:t>
+            </a:r>
+            <a:r>
+              <a:rPr lang="es-ES" b="1" dirty="0"/>
+              <a:t> </a:t>
+            </a:r>
+            <a:r>
+              <a:rPr lang="es-ES" dirty="0">
+                <a:solidFill>
+                  <a:schemeClr val="accent1"/>
+                </a:solidFill>
+              </a:rPr>
+              <a:t>valor/</a:t>
+            </a:r>
+            <a:r>
+              <a:rPr lang="es-ES" dirty="0" err="1">
+                <a:solidFill>
+                  <a:schemeClr val="accent1"/>
+                </a:solidFill>
+              </a:rPr>
+              <a:t>contenidoVariable</a:t>
+            </a:r>
+            <a:r>
+              <a:rPr lang="es-ES" dirty="0">
+                <a:solidFill>
+                  <a:schemeClr val="accent1"/>
+                </a:solidFill>
+              </a:rPr>
+              <a:t>(1)</a:t>
+            </a:r>
+            <a:r>
+              <a:rPr lang="es-ES" dirty="0"/>
+              <a:t>:</a:t>
+            </a:r>
+          </a:p>
+          <a:p>
+            <a:r>
+              <a:rPr lang="es-ES" b="1" dirty="0"/>
+              <a:t>		</a:t>
+            </a:r>
+            <a:r>
+              <a:rPr lang="es-ES" dirty="0"/>
+              <a:t>instrucciones</a:t>
+            </a:r>
+          </a:p>
+          <a:p>
+            <a:r>
+              <a:rPr lang="es-ES" b="1" dirty="0"/>
+              <a:t>		</a:t>
+            </a:r>
+            <a:r>
+              <a:rPr lang="es-ES" b="1" dirty="0">
+                <a:solidFill>
+                  <a:srgbClr val="FF0000"/>
+                </a:solidFill>
+              </a:rPr>
+              <a:t>break; //Cierre bucle</a:t>
+            </a:r>
+          </a:p>
+          <a:p>
+            <a:r>
+              <a:rPr lang="es-ES" b="1" dirty="0"/>
+              <a:t>	</a:t>
+            </a:r>
+            <a:r>
+              <a:rPr lang="es-ES" b="1" dirty="0">
+                <a:solidFill>
+                  <a:srgbClr val="00B050"/>
+                </a:solidFill>
+              </a:rPr>
+              <a:t>case …</a:t>
+            </a:r>
+          </a:p>
+          <a:p>
+            <a:r>
+              <a:rPr lang="es-ES" b="1" dirty="0"/>
+              <a:t>	</a:t>
+            </a:r>
+            <a:r>
+              <a:rPr lang="es-ES" b="1" dirty="0">
+                <a:solidFill>
+                  <a:schemeClr val="accent2"/>
+                </a:solidFill>
+              </a:rPr>
+              <a:t>default:</a:t>
+            </a:r>
+          </a:p>
+          <a:p>
+            <a:r>
+              <a:rPr lang="es-ES" b="1" dirty="0"/>
+              <a:t>		</a:t>
+            </a:r>
+            <a:r>
+              <a:rPr lang="es-ES" dirty="0"/>
+              <a:t>instrucciones (para aquello que no 		tiene ningún caso asignado, “que 		se sale de la norma” o condiciones 		establecidas.</a:t>
+            </a:r>
+          </a:p>
+          <a:p>
+            <a:r>
+              <a:rPr lang="es-ES" dirty="0"/>
+              <a:t>	</a:t>
+            </a:r>
+            <a:r>
+              <a:rPr lang="es-ES" b="1" dirty="0"/>
+              <a:t>}</a:t>
+            </a:r>
+          </a:p>
+          <a:p>
+            <a:endParaRPr lang="es-ES" b="1" dirty="0"/>
+          </a:p>
+          <a:p>
+            <a:r>
+              <a:rPr lang="es-ES" dirty="0"/>
+              <a:t>Es un condicional de selección múltiple; normalmente se trabaja con una variable, y según el valor que contenga se accede a un escenario (</a:t>
+            </a:r>
+            <a:r>
+              <a:rPr lang="es-ES" b="1" i="1" dirty="0">
+                <a:solidFill>
+                  <a:srgbClr val="00B050"/>
+                </a:solidFill>
+              </a:rPr>
+              <a:t>case</a:t>
+            </a:r>
+            <a:r>
+              <a:rPr lang="es-ES" dirty="0"/>
+              <a:t>) u otro, el cual contiene instrucciones específicas para ese </a:t>
+            </a:r>
+            <a:r>
+              <a:rPr lang="es-ES" dirty="0">
+                <a:solidFill>
+                  <a:srgbClr val="00B050"/>
+                </a:solidFill>
+              </a:rPr>
+              <a:t>case</a:t>
+            </a:r>
+            <a:r>
+              <a:rPr lang="es-ES" dirty="0"/>
+              <a:t> concreto.</a:t>
+            </a:r>
+          </a:p>
+          <a:p>
+            <a:r>
+              <a:rPr lang="es-ES" dirty="0"/>
+              <a:t>Cuando no hay un case para un valor concreto se procede a</a:t>
+            </a:r>
+            <a:r>
+              <a:rPr lang="es-ES" dirty="0">
+                <a:sym typeface="Wingdings" panose="05000000000000000000" pitchFamily="2" charset="2"/>
+              </a:rPr>
+              <a:t> </a:t>
+            </a:r>
+            <a:r>
+              <a:rPr lang="es-ES" dirty="0">
+                <a:solidFill>
+                  <a:schemeClr val="accent2"/>
+                </a:solidFill>
+                <a:sym typeface="Wingdings" panose="05000000000000000000" pitchFamily="2" charset="2"/>
+              </a:rPr>
+              <a:t>default</a:t>
+            </a:r>
+            <a:r>
+              <a:rPr lang="es-ES" dirty="0">
+                <a:sym typeface="Wingdings" panose="05000000000000000000" pitchFamily="2" charset="2"/>
+              </a:rPr>
+              <a:t>, por lo que es el equivalente del </a:t>
+            </a:r>
+            <a:r>
+              <a:rPr lang="es-ES" dirty="0" err="1">
+                <a:sym typeface="Wingdings" panose="05000000000000000000" pitchFamily="2" charset="2"/>
+              </a:rPr>
+              <a:t>else</a:t>
+            </a:r>
+            <a:r>
+              <a:rPr lang="es-ES" dirty="0"/>
+              <a:t>.</a:t>
+            </a:r>
+          </a:p>
+        </p:txBody>
+      </p:sp>
+      <p:sp>
+        <p:nvSpPr>
+          <p:cNvPr id="7" name="Elipse 6">
+            <a:extLst>
+              <a:ext uri="{FF2B5EF4-FFF2-40B4-BE49-F238E27FC236}">
+                <a16:creationId xmlns:a16="http://schemas.microsoft.com/office/drawing/2014/main" id="{0E579C9D-1EE6-83F5-C2C2-A97CCAAD6A30}"/>
+              </a:ext>
+            </a:extLst>
+          </p:cNvPr>
+          <p:cNvSpPr/>
+          <p:nvPr/>
+        </p:nvSpPr>
+        <p:spPr>
+          <a:xfrm>
+            <a:off x="162558" y="73794"/>
+            <a:ext cx="785303" cy="755583"/>
+          </a:xfrm>
+          <a:prstGeom prst="ellipse">
+            <a:avLst/>
+          </a:prstGeom>
+        </p:spPr>
+        <p:style>
+          <a:lnRef idx="2">
+            <a:schemeClr val="accent1">
+              <a:shade val="15000"/>
+            </a:schemeClr>
+          </a:lnRef>
+          <a:fillRef idx="1">
+            <a:schemeClr val="accent1"/>
+          </a:fillRef>
+          <a:effectRef idx="0">
+            <a:schemeClr val="accent1"/>
+          </a:effectRef>
+          <a:fontRef idx="minor">
+            <a:schemeClr val="lt1"/>
+          </a:fontRef>
+        </p:style>
+        <p:txBody>
+          <a:bodyPr rtlCol="0" anchor="ctr"/>
+          <a:lstStyle/>
+          <a:p>
+            <a:pPr algn="ctr"/>
+            <a:r>
+              <a:rPr lang="es-ES" b="1" dirty="0"/>
+              <a:t>TA5</a:t>
+            </a:r>
+          </a:p>
+        </p:txBody>
+      </p:sp>
+      <p:pic>
+        <p:nvPicPr>
+          <p:cNvPr id="4" name="Imagen 3">
+            <a:extLst>
+              <a:ext uri="{FF2B5EF4-FFF2-40B4-BE49-F238E27FC236}">
+                <a16:creationId xmlns:a16="http://schemas.microsoft.com/office/drawing/2014/main" id="{FAF47E39-3398-623C-D8CE-FE8739D390AC}"/>
+              </a:ext>
+            </a:extLst>
+          </p:cNvPr>
+          <p:cNvPicPr>
+            <a:picLocks noChangeAspect="1"/>
+          </p:cNvPicPr>
+          <p:nvPr/>
+        </p:nvPicPr>
+        <p:blipFill>
+          <a:blip r:embed="rId2"/>
+          <a:stretch>
+            <a:fillRect/>
+          </a:stretch>
+        </p:blipFill>
+        <p:spPr>
+          <a:xfrm>
+            <a:off x="6906248" y="496349"/>
+            <a:ext cx="5123192" cy="1640462"/>
+          </a:xfrm>
+          <a:prstGeom prst="rect">
+            <a:avLst/>
+          </a:prstGeom>
+        </p:spPr>
+      </p:pic>
+      <p:pic>
+        <p:nvPicPr>
+          <p:cNvPr id="9" name="Imagen 8">
+            <a:extLst>
+              <a:ext uri="{FF2B5EF4-FFF2-40B4-BE49-F238E27FC236}">
+                <a16:creationId xmlns:a16="http://schemas.microsoft.com/office/drawing/2014/main" id="{102FC4AF-DB47-18FD-13F1-0AC0522F5BA8}"/>
+              </a:ext>
+            </a:extLst>
+          </p:cNvPr>
+          <p:cNvPicPr>
+            <a:picLocks noChangeAspect="1"/>
+          </p:cNvPicPr>
+          <p:nvPr/>
+        </p:nvPicPr>
+        <p:blipFill>
+          <a:blip r:embed="rId3"/>
+          <a:stretch>
+            <a:fillRect/>
+          </a:stretch>
+        </p:blipFill>
+        <p:spPr>
+          <a:xfrm>
+            <a:off x="5734775" y="2324161"/>
+            <a:ext cx="6294665" cy="4206605"/>
+          </a:xfrm>
+          <a:prstGeom prst="rect">
+            <a:avLst/>
+          </a:prstGeom>
+        </p:spPr>
+      </p:pic>
+    </p:spTree>
+    <p:extLst>
+      <p:ext uri="{BB962C8B-B14F-4D97-AF65-F5344CB8AC3E}">
+        <p14:creationId xmlns:p14="http://schemas.microsoft.com/office/powerpoint/2010/main" val="1302254933"/>
+      </p:ext>
+    </p:extLst>
+  </p:cSld>
+  <p:clrMapOvr>
+    <a:masterClrMapping/>
+  </p:clrMapOvr>
+</p:sld>
+</file>
+
+<file path=ppt/slides/slide5.xml><?xml version="1.0" encoding="utf-8"?>
+<p:sld xmlns:a="http://schemas.openxmlformats.org/drawingml/2006/main" xmlns:r="http://schemas.openxmlformats.org/officeDocument/2006/relationships" xmlns:p="http://schemas.openxmlformats.org/presentationml/2006/main">
+  <p:cSld>
+    <p:spTree>
+      <p:nvGrpSpPr>
+        <p:cNvPr id="1" name="">
+          <a:extLst>
+            <a:ext uri="{FF2B5EF4-FFF2-40B4-BE49-F238E27FC236}">
+              <a16:creationId xmlns:a16="http://schemas.microsoft.com/office/drawing/2014/main" id="{7FAD1B08-BB4F-F5F9-03AE-D4D6BCC9D60E}"/>
+            </a:ext>
+          </a:extLst>
+        </p:cNvPr>
+        <p:cNvGrpSpPr/>
+        <p:nvPr/>
+      </p:nvGrpSpPr>
+      <p:grpSpPr>
+        <a:xfrm>
+          <a:off x="0" y="0"/>
+          <a:ext cx="0" cy="0"/>
+          <a:chOff x="0" y="0"/>
+          <a:chExt cx="0" cy="0"/>
+        </a:xfrm>
+      </p:grpSpPr>
+      <p:sp>
+        <p:nvSpPr>
+          <p:cNvPr id="6" name="CuadroTexto 5">
+            <a:extLst>
+              <a:ext uri="{FF2B5EF4-FFF2-40B4-BE49-F238E27FC236}">
+                <a16:creationId xmlns:a16="http://schemas.microsoft.com/office/drawing/2014/main" id="{BFEA4728-2036-9C2B-5B68-1718F6206B89}"/>
+              </a:ext>
+            </a:extLst>
+          </p:cNvPr>
+          <p:cNvSpPr txBox="1"/>
+          <p:nvPr/>
+        </p:nvSpPr>
+        <p:spPr>
+          <a:xfrm>
+            <a:off x="1152746" y="203962"/>
+            <a:ext cx="5552854" cy="584775"/>
+          </a:xfrm>
+          <a:prstGeom prst="rect">
+            <a:avLst/>
+          </a:prstGeom>
+          <a:noFill/>
+          <a:ln w="19050">
+            <a:solidFill>
+              <a:schemeClr val="tx1"/>
+            </a:solidFill>
+          </a:ln>
+        </p:spPr>
+        <p:txBody>
+          <a:bodyPr wrap="square" rtlCol="0">
+            <a:spAutoFit/>
+          </a:bodyPr>
+          <a:lstStyle/>
+          <a:p>
+            <a:pPr algn="ctr"/>
+            <a:r>
+              <a:rPr lang="es-ES" sz="3200" b="1" dirty="0"/>
+              <a:t>C2 JAVA BASICS - condicionales</a:t>
+            </a:r>
+          </a:p>
+        </p:txBody>
+      </p:sp>
+      <p:sp>
+        <p:nvSpPr>
+          <p:cNvPr id="2" name="CuadroTexto 1">
+            <a:extLst>
+              <a:ext uri="{FF2B5EF4-FFF2-40B4-BE49-F238E27FC236}">
+                <a16:creationId xmlns:a16="http://schemas.microsoft.com/office/drawing/2014/main" id="{E41F0265-D470-5F39-DD64-3BA26A987136}"/>
+              </a:ext>
+            </a:extLst>
+          </p:cNvPr>
+          <p:cNvSpPr txBox="1"/>
+          <p:nvPr/>
+        </p:nvSpPr>
+        <p:spPr>
+          <a:xfrm>
+            <a:off x="162560" y="930976"/>
+            <a:ext cx="5333171" cy="3724096"/>
+          </a:xfrm>
+          <a:prstGeom prst="rect">
+            <a:avLst/>
+          </a:prstGeom>
+          <a:noFill/>
+          <a:ln>
+            <a:solidFill>
+              <a:schemeClr val="tx1"/>
+            </a:solidFill>
+            <a:prstDash val="lgDash"/>
+          </a:ln>
+        </p:spPr>
+        <p:txBody>
+          <a:bodyPr wrap="square" rtlCol="0">
+            <a:spAutoFit/>
+          </a:bodyPr>
+          <a:lstStyle/>
+          <a:p>
+            <a:pPr algn="ctr"/>
+            <a:r>
+              <a:rPr lang="es-ES" sz="2000" b="1" dirty="0"/>
+              <a:t>Condicional </a:t>
+            </a:r>
+            <a:r>
+              <a:rPr lang="es-ES" sz="2000" b="1" i="1" dirty="0" err="1"/>
+              <a:t>while</a:t>
+            </a:r>
+            <a:r>
+              <a:rPr lang="es-ES" sz="2000" b="1" dirty="0"/>
+              <a:t>:</a:t>
+            </a:r>
+          </a:p>
+          <a:p>
+            <a:r>
+              <a:rPr lang="es-ES" b="1" dirty="0" err="1"/>
+              <a:t>while</a:t>
+            </a:r>
+            <a:r>
+              <a:rPr lang="es-ES" b="1" dirty="0"/>
+              <a:t> (</a:t>
+            </a:r>
+            <a:r>
+              <a:rPr lang="es-ES" b="1" dirty="0" err="1">
+                <a:solidFill>
+                  <a:schemeClr val="accent1"/>
+                </a:solidFill>
+              </a:rPr>
+              <a:t>condicion</a:t>
+            </a:r>
+            <a:r>
+              <a:rPr lang="es-ES" b="1" dirty="0"/>
+              <a:t>){</a:t>
+            </a:r>
+          </a:p>
+          <a:p>
+            <a:r>
+              <a:rPr lang="es-ES" b="1" dirty="0"/>
+              <a:t>	</a:t>
+            </a:r>
+            <a:r>
+              <a:rPr lang="es-ES" dirty="0"/>
+              <a:t>instrucciones</a:t>
+            </a:r>
+          </a:p>
+          <a:p>
+            <a:r>
+              <a:rPr lang="es-ES" b="1" dirty="0"/>
+              <a:t>	}</a:t>
+            </a:r>
+          </a:p>
+          <a:p>
+            <a:endParaRPr lang="es-ES" b="1" dirty="0"/>
+          </a:p>
+          <a:p>
+            <a:r>
+              <a:rPr lang="es-ES" dirty="0"/>
+              <a:t>Es un bucle que se repite hasta que la condición expresada deja de cumplirse; es decir, se ejecutarán repetidamente las instrucciones proporcionadas una y otra vez hasta el cierre del bucle.</a:t>
+            </a:r>
+          </a:p>
+          <a:p>
+            <a:endParaRPr lang="es-ES" dirty="0"/>
+          </a:p>
+          <a:p>
+            <a:r>
+              <a:rPr lang="es-ES" dirty="0"/>
+              <a:t>Es necesario que la variable de la condición cambie según las instrucciones para que el bucle se acabe cerrando y no sea infinito.</a:t>
+            </a:r>
+          </a:p>
+        </p:txBody>
+      </p:sp>
+      <p:sp>
+        <p:nvSpPr>
+          <p:cNvPr id="7" name="Elipse 6">
+            <a:extLst>
+              <a:ext uri="{FF2B5EF4-FFF2-40B4-BE49-F238E27FC236}">
+                <a16:creationId xmlns:a16="http://schemas.microsoft.com/office/drawing/2014/main" id="{0DCC0DA5-7CF6-221C-EF8A-8D5C5CC5E238}"/>
+              </a:ext>
+            </a:extLst>
+          </p:cNvPr>
+          <p:cNvSpPr/>
+          <p:nvPr/>
+        </p:nvSpPr>
+        <p:spPr>
+          <a:xfrm>
+            <a:off x="162558" y="73794"/>
+            <a:ext cx="785303" cy="755583"/>
+          </a:xfrm>
+          <a:prstGeom prst="ellipse">
+            <a:avLst/>
+          </a:prstGeom>
+        </p:spPr>
+        <p:style>
+          <a:lnRef idx="2">
+            <a:schemeClr val="accent1">
+              <a:shade val="15000"/>
+            </a:schemeClr>
+          </a:lnRef>
+          <a:fillRef idx="1">
+            <a:schemeClr val="accent1"/>
+          </a:fillRef>
+          <a:effectRef idx="0">
+            <a:schemeClr val="accent1"/>
+          </a:effectRef>
+          <a:fontRef idx="minor">
+            <a:schemeClr val="lt1"/>
+          </a:fontRef>
+        </p:style>
+        <p:txBody>
+          <a:bodyPr rtlCol="0" anchor="ctr"/>
+          <a:lstStyle/>
+          <a:p>
+            <a:pPr algn="ctr"/>
+            <a:r>
+              <a:rPr lang="es-ES" b="1" dirty="0"/>
+              <a:t>TA5</a:t>
+            </a:r>
+          </a:p>
+        </p:txBody>
+      </p:sp>
+      <p:pic>
+        <p:nvPicPr>
+          <p:cNvPr id="5" name="Imagen 4">
+            <a:extLst>
+              <a:ext uri="{FF2B5EF4-FFF2-40B4-BE49-F238E27FC236}">
+                <a16:creationId xmlns:a16="http://schemas.microsoft.com/office/drawing/2014/main" id="{85EC80CB-3CD7-550A-B231-9E0588C2A859}"/>
+              </a:ext>
+            </a:extLst>
+          </p:cNvPr>
+          <p:cNvPicPr>
+            <a:picLocks noChangeAspect="1"/>
+          </p:cNvPicPr>
+          <p:nvPr/>
+        </p:nvPicPr>
+        <p:blipFill>
+          <a:blip r:embed="rId2"/>
+          <a:stretch>
+            <a:fillRect/>
+          </a:stretch>
+        </p:blipFill>
+        <p:spPr>
+          <a:xfrm>
+            <a:off x="5605102" y="930976"/>
+            <a:ext cx="6309435" cy="2894236"/>
+          </a:xfrm>
+          <a:prstGeom prst="rect">
+            <a:avLst/>
+          </a:prstGeom>
+        </p:spPr>
+      </p:pic>
+    </p:spTree>
+    <p:extLst>
+      <p:ext uri="{BB962C8B-B14F-4D97-AF65-F5344CB8AC3E}">
+        <p14:creationId xmlns:p14="http://schemas.microsoft.com/office/powerpoint/2010/main" val="920317878"/>
+      </p:ext>
+    </p:extLst>
+  </p:cSld>
+  <p:clrMapOvr>
+    <a:masterClrMapping/>
+  </p:clrMapOvr>
+</p:sld>
+</file>
+
+<file path=ppt/slides/slide6.xml><?xml version="1.0" encoding="utf-8"?>
+<p:sld xmlns:a="http://schemas.openxmlformats.org/drawingml/2006/main" xmlns:r="http://schemas.openxmlformats.org/officeDocument/2006/relationships" xmlns:p="http://schemas.openxmlformats.org/presentationml/2006/main">
+  <p:cSld>
+    <p:spTree>
+      <p:nvGrpSpPr>
+        <p:cNvPr id="1" name="">
+          <a:extLst>
+            <a:ext uri="{FF2B5EF4-FFF2-40B4-BE49-F238E27FC236}">
+              <a16:creationId xmlns:a16="http://schemas.microsoft.com/office/drawing/2014/main" id="{AE816CD3-6974-4DC2-8ABF-8DB20603781D}"/>
+            </a:ext>
+          </a:extLst>
+        </p:cNvPr>
+        <p:cNvGrpSpPr/>
+        <p:nvPr/>
+      </p:nvGrpSpPr>
+      <p:grpSpPr>
+        <a:xfrm>
+          <a:off x="0" y="0"/>
+          <a:ext cx="0" cy="0"/>
+          <a:chOff x="0" y="0"/>
+          <a:chExt cx="0" cy="0"/>
+        </a:xfrm>
+      </p:grpSpPr>
+      <p:sp>
+        <p:nvSpPr>
+          <p:cNvPr id="6" name="CuadroTexto 5">
+            <a:extLst>
+              <a:ext uri="{FF2B5EF4-FFF2-40B4-BE49-F238E27FC236}">
+                <a16:creationId xmlns:a16="http://schemas.microsoft.com/office/drawing/2014/main" id="{B887202B-6C80-DA55-30B7-47A3527A6B27}"/>
+              </a:ext>
+            </a:extLst>
+          </p:cNvPr>
+          <p:cNvSpPr txBox="1"/>
+          <p:nvPr/>
+        </p:nvSpPr>
+        <p:spPr>
+          <a:xfrm>
+            <a:off x="1152746" y="203962"/>
+            <a:ext cx="5552854" cy="584775"/>
+          </a:xfrm>
+          <a:prstGeom prst="rect">
+            <a:avLst/>
+          </a:prstGeom>
+          <a:noFill/>
+          <a:ln w="19050">
+            <a:solidFill>
+              <a:schemeClr val="tx1"/>
+            </a:solidFill>
+          </a:ln>
+        </p:spPr>
+        <p:txBody>
+          <a:bodyPr wrap="square" rtlCol="0">
+            <a:spAutoFit/>
+          </a:bodyPr>
+          <a:lstStyle/>
+          <a:p>
+            <a:pPr algn="ctr"/>
+            <a:r>
+              <a:rPr lang="es-ES" sz="3200" b="1" dirty="0"/>
+              <a:t>C2 JAVA BASICS - condicionales</a:t>
+            </a:r>
+          </a:p>
+        </p:txBody>
+      </p:sp>
+      <p:sp>
+        <p:nvSpPr>
+          <p:cNvPr id="2" name="CuadroTexto 1">
+            <a:extLst>
+              <a:ext uri="{FF2B5EF4-FFF2-40B4-BE49-F238E27FC236}">
+                <a16:creationId xmlns:a16="http://schemas.microsoft.com/office/drawing/2014/main" id="{BA360338-8957-11F7-1BE3-A7C80F61CAD6}"/>
+              </a:ext>
+            </a:extLst>
+          </p:cNvPr>
+          <p:cNvSpPr txBox="1"/>
+          <p:nvPr/>
+        </p:nvSpPr>
+        <p:spPr>
+          <a:xfrm>
+            <a:off x="162560" y="930976"/>
+            <a:ext cx="5333171" cy="3724096"/>
+          </a:xfrm>
+          <a:prstGeom prst="rect">
+            <a:avLst/>
+          </a:prstGeom>
+          <a:noFill/>
+          <a:ln>
+            <a:solidFill>
+              <a:schemeClr val="tx1"/>
+            </a:solidFill>
+            <a:prstDash val="lgDash"/>
+          </a:ln>
+        </p:spPr>
+        <p:txBody>
+          <a:bodyPr wrap="square" rtlCol="0">
+            <a:spAutoFit/>
+          </a:bodyPr>
+          <a:lstStyle/>
+          <a:p>
+            <a:pPr algn="ctr"/>
+            <a:r>
+              <a:rPr lang="es-ES" sz="2000" b="1" dirty="0"/>
+              <a:t>Condicional </a:t>
+            </a:r>
+            <a:r>
+              <a:rPr lang="es-ES" sz="2000" b="1" i="1" dirty="0" err="1"/>
+              <a:t>for</a:t>
+            </a:r>
+            <a:r>
+              <a:rPr lang="es-ES" sz="2000" b="1" dirty="0"/>
+              <a:t>:</a:t>
+            </a:r>
+          </a:p>
+          <a:p>
+            <a:r>
+              <a:rPr lang="es-ES" b="1" dirty="0" err="1"/>
+              <a:t>for</a:t>
+            </a:r>
+            <a:r>
+              <a:rPr lang="es-ES" b="1" dirty="0"/>
+              <a:t> (iniciación; </a:t>
+            </a:r>
+            <a:r>
+              <a:rPr lang="es-ES" b="1" dirty="0">
+                <a:solidFill>
+                  <a:schemeClr val="accent1"/>
+                </a:solidFill>
+              </a:rPr>
+              <a:t>condición</a:t>
+            </a:r>
+            <a:r>
+              <a:rPr lang="es-ES" b="1" dirty="0"/>
+              <a:t>; incremento){</a:t>
+            </a:r>
+          </a:p>
+          <a:p>
+            <a:r>
+              <a:rPr lang="es-ES" b="1" dirty="0"/>
+              <a:t>	</a:t>
+            </a:r>
+            <a:r>
+              <a:rPr lang="es-ES" dirty="0"/>
+              <a:t>instrucciones</a:t>
+            </a:r>
+          </a:p>
+          <a:p>
+            <a:r>
+              <a:rPr lang="es-ES" b="1" dirty="0"/>
+              <a:t>	}</a:t>
+            </a:r>
+          </a:p>
+          <a:p>
+            <a:endParaRPr lang="es-ES" b="1" dirty="0"/>
+          </a:p>
+          <a:p>
+            <a:r>
+              <a:rPr lang="es-ES" dirty="0"/>
+              <a:t>Es un bucle que se repite hasta que la condición expresada deja de cumplirse; es decir, se ejecutarán repetidamente las instrucciones proporcionadas una y otra vez hasta el cierre del bucle.</a:t>
+            </a:r>
+          </a:p>
+          <a:p>
+            <a:endParaRPr lang="es-ES" dirty="0"/>
+          </a:p>
+          <a:p>
+            <a:r>
+              <a:rPr lang="es-ES" dirty="0"/>
+              <a:t>Es necesario que la variable de la condición cambie según las instrucciones para que el bucle se acabe cerrando y no sea infinito.</a:t>
+            </a:r>
+          </a:p>
+        </p:txBody>
+      </p:sp>
+      <p:sp>
+        <p:nvSpPr>
+          <p:cNvPr id="7" name="Elipse 6">
+            <a:extLst>
+              <a:ext uri="{FF2B5EF4-FFF2-40B4-BE49-F238E27FC236}">
+                <a16:creationId xmlns:a16="http://schemas.microsoft.com/office/drawing/2014/main" id="{3CBEBEFA-0706-05D3-D89C-25B72BB8FC10}"/>
+              </a:ext>
+            </a:extLst>
+          </p:cNvPr>
+          <p:cNvSpPr/>
+          <p:nvPr/>
+        </p:nvSpPr>
+        <p:spPr>
+          <a:xfrm>
+            <a:off x="162558" y="73794"/>
+            <a:ext cx="785303" cy="755583"/>
+          </a:xfrm>
+          <a:prstGeom prst="ellipse">
+            <a:avLst/>
+          </a:prstGeom>
+        </p:spPr>
+        <p:style>
+          <a:lnRef idx="2">
+            <a:schemeClr val="accent1">
+              <a:shade val="15000"/>
+            </a:schemeClr>
+          </a:lnRef>
+          <a:fillRef idx="1">
+            <a:schemeClr val="accent1"/>
+          </a:fillRef>
+          <a:effectRef idx="0">
+            <a:schemeClr val="accent1"/>
+          </a:effectRef>
+          <a:fontRef idx="minor">
+            <a:schemeClr val="lt1"/>
+          </a:fontRef>
+        </p:style>
+        <p:txBody>
+          <a:bodyPr rtlCol="0" anchor="ctr"/>
+          <a:lstStyle/>
+          <a:p>
+            <a:pPr algn="ctr"/>
+            <a:r>
+              <a:rPr lang="es-ES" b="1" dirty="0"/>
+              <a:t>TA5</a:t>
+            </a:r>
+          </a:p>
+        </p:txBody>
+      </p:sp>
+      <p:pic>
+        <p:nvPicPr>
+          <p:cNvPr id="5" name="Imagen 4">
+            <a:extLst>
+              <a:ext uri="{FF2B5EF4-FFF2-40B4-BE49-F238E27FC236}">
+                <a16:creationId xmlns:a16="http://schemas.microsoft.com/office/drawing/2014/main" id="{072F407E-4CBB-8F22-1AB5-1BC54DC56A3C}"/>
+              </a:ext>
+            </a:extLst>
+          </p:cNvPr>
+          <p:cNvPicPr>
+            <a:picLocks noChangeAspect="1"/>
+          </p:cNvPicPr>
+          <p:nvPr/>
+        </p:nvPicPr>
+        <p:blipFill>
+          <a:blip r:embed="rId2"/>
+          <a:stretch>
+            <a:fillRect/>
+          </a:stretch>
+        </p:blipFill>
+        <p:spPr>
+          <a:xfrm>
+            <a:off x="5605102" y="930976"/>
+            <a:ext cx="6309435" cy="2894236"/>
+          </a:xfrm>
+          <a:prstGeom prst="rect">
+            <a:avLst/>
+          </a:prstGeom>
+        </p:spPr>
+      </p:pic>
+    </p:spTree>
+    <p:extLst>
+      <p:ext uri="{BB962C8B-B14F-4D97-AF65-F5344CB8AC3E}">
+        <p14:creationId xmlns:p14="http://schemas.microsoft.com/office/powerpoint/2010/main" val="2705229135"/>
+      </p:ext>
+    </p:extLst>
+  </p:cSld>
+  <p:clrMapOvr>
+    <a:masterClrMapping/>
+  </p:clrMapOvr>
+</p:sld>
+</file>
+
 <file path=ppt/theme/theme1.xml><?xml version="1.0" encoding="utf-8"?>
 <a:theme xmlns:a="http://schemas.openxmlformats.org/drawingml/2006/main" name="Tema de Office">
   <a:themeElements>

--- a/[JAVA]/Comandos Java.pptx
+++ b/[JAVA]/Comandos Java.pptx
@@ -7,10 +7,12 @@
   <p:sldIdLst>
     <p:sldId id="256" r:id="rId2"/>
     <p:sldId id="257" r:id="rId3"/>
-    <p:sldId id="259" r:id="rId4"/>
-    <p:sldId id="260" r:id="rId5"/>
-    <p:sldId id="262" r:id="rId6"/>
-    <p:sldId id="263" r:id="rId7"/>
+    <p:sldId id="265" r:id="rId4"/>
+    <p:sldId id="259" r:id="rId5"/>
+    <p:sldId id="260" r:id="rId6"/>
+    <p:sldId id="262" r:id="rId7"/>
+    <p:sldId id="263" r:id="rId8"/>
+    <p:sldId id="264" r:id="rId9"/>
   </p:sldIdLst>
   <p:sldSz cx="12192000" cy="6858000"/>
   <p:notesSz cx="6858000" cy="9144000"/>
@@ -264,7 +266,7 @@
           <a:p>
             <a:fld id="{3500814B-B0A1-4EE7-B2F5-06E5A1055567}" type="datetimeFigureOut">
               <a:rPr lang="es-ES" smtClean="0"/>
-              <a:t>08/02/2024</a:t>
+              <a:t>13/02/2024</a:t>
             </a:fld>
             <a:endParaRPr lang="es-ES"/>
           </a:p>
@@ -462,7 +464,7 @@
           <a:p>
             <a:fld id="{3500814B-B0A1-4EE7-B2F5-06E5A1055567}" type="datetimeFigureOut">
               <a:rPr lang="es-ES" smtClean="0"/>
-              <a:t>08/02/2024</a:t>
+              <a:t>13/02/2024</a:t>
             </a:fld>
             <a:endParaRPr lang="es-ES"/>
           </a:p>
@@ -670,7 +672,7 @@
           <a:p>
             <a:fld id="{3500814B-B0A1-4EE7-B2F5-06E5A1055567}" type="datetimeFigureOut">
               <a:rPr lang="es-ES" smtClean="0"/>
-              <a:t>08/02/2024</a:t>
+              <a:t>13/02/2024</a:t>
             </a:fld>
             <a:endParaRPr lang="es-ES"/>
           </a:p>
@@ -868,7 +870,7 @@
           <a:p>
             <a:fld id="{3500814B-B0A1-4EE7-B2F5-06E5A1055567}" type="datetimeFigureOut">
               <a:rPr lang="es-ES" smtClean="0"/>
-              <a:t>08/02/2024</a:t>
+              <a:t>13/02/2024</a:t>
             </a:fld>
             <a:endParaRPr lang="es-ES"/>
           </a:p>
@@ -1143,7 +1145,7 @@
           <a:p>
             <a:fld id="{3500814B-B0A1-4EE7-B2F5-06E5A1055567}" type="datetimeFigureOut">
               <a:rPr lang="es-ES" smtClean="0"/>
-              <a:t>08/02/2024</a:t>
+              <a:t>13/02/2024</a:t>
             </a:fld>
             <a:endParaRPr lang="es-ES"/>
           </a:p>
@@ -1408,7 +1410,7 @@
           <a:p>
             <a:fld id="{3500814B-B0A1-4EE7-B2F5-06E5A1055567}" type="datetimeFigureOut">
               <a:rPr lang="es-ES" smtClean="0"/>
-              <a:t>08/02/2024</a:t>
+              <a:t>13/02/2024</a:t>
             </a:fld>
             <a:endParaRPr lang="es-ES"/>
           </a:p>
@@ -1820,7 +1822,7 @@
           <a:p>
             <a:fld id="{3500814B-B0A1-4EE7-B2F5-06E5A1055567}" type="datetimeFigureOut">
               <a:rPr lang="es-ES" smtClean="0"/>
-              <a:t>08/02/2024</a:t>
+              <a:t>13/02/2024</a:t>
             </a:fld>
             <a:endParaRPr lang="es-ES"/>
           </a:p>
@@ -1961,7 +1963,7 @@
           <a:p>
             <a:fld id="{3500814B-B0A1-4EE7-B2F5-06E5A1055567}" type="datetimeFigureOut">
               <a:rPr lang="es-ES" smtClean="0"/>
-              <a:t>08/02/2024</a:t>
+              <a:t>13/02/2024</a:t>
             </a:fld>
             <a:endParaRPr lang="es-ES"/>
           </a:p>
@@ -2074,7 +2076,7 @@
           <a:p>
             <a:fld id="{3500814B-B0A1-4EE7-B2F5-06E5A1055567}" type="datetimeFigureOut">
               <a:rPr lang="es-ES" smtClean="0"/>
-              <a:t>08/02/2024</a:t>
+              <a:t>13/02/2024</a:t>
             </a:fld>
             <a:endParaRPr lang="es-ES"/>
           </a:p>
@@ -2385,7 +2387,7 @@
           <a:p>
             <a:fld id="{3500814B-B0A1-4EE7-B2F5-06E5A1055567}" type="datetimeFigureOut">
               <a:rPr lang="es-ES" smtClean="0"/>
-              <a:t>08/02/2024</a:t>
+              <a:t>13/02/2024</a:t>
             </a:fld>
             <a:endParaRPr lang="es-ES"/>
           </a:p>
@@ -2673,7 +2675,7 @@
           <a:p>
             <a:fld id="{3500814B-B0A1-4EE7-B2F5-06E5A1055567}" type="datetimeFigureOut">
               <a:rPr lang="es-ES" smtClean="0"/>
-              <a:t>08/02/2024</a:t>
+              <a:t>13/02/2024</a:t>
             </a:fld>
             <a:endParaRPr lang="es-ES"/>
           </a:p>
@@ -2914,7 +2916,7 @@
           <a:p>
             <a:fld id="{3500814B-B0A1-4EE7-B2F5-06E5A1055567}" type="datetimeFigureOut">
               <a:rPr lang="es-ES" smtClean="0"/>
-              <a:t>08/02/2024</a:t>
+              <a:t>13/02/2024</a:t>
             </a:fld>
             <a:endParaRPr lang="es-ES"/>
           </a:p>
@@ -4490,6 +4492,1093 @@
         <p:cNvPr id="1" name="">
           <a:extLst>
             <a:ext uri="{FF2B5EF4-FFF2-40B4-BE49-F238E27FC236}">
+              <a16:creationId xmlns:a16="http://schemas.microsoft.com/office/drawing/2014/main" id="{F3CBC785-C518-401D-E481-7CC113425C61}"/>
+            </a:ext>
+          </a:extLst>
+        </p:cNvPr>
+        <p:cNvGrpSpPr/>
+        <p:nvPr/>
+      </p:nvGrpSpPr>
+      <p:grpSpPr>
+        <a:xfrm>
+          <a:off x="0" y="0"/>
+          <a:ext cx="0" cy="0"/>
+          <a:chOff x="0" y="0"/>
+          <a:chExt cx="0" cy="0"/>
+        </a:xfrm>
+      </p:grpSpPr>
+      <p:sp>
+        <p:nvSpPr>
+          <p:cNvPr id="6" name="CuadroTexto 5">
+            <a:extLst>
+              <a:ext uri="{FF2B5EF4-FFF2-40B4-BE49-F238E27FC236}">
+                <a16:creationId xmlns:a16="http://schemas.microsoft.com/office/drawing/2014/main" id="{8BDB333B-85C4-092E-4D4B-C81C40FFC802}"/>
+              </a:ext>
+            </a:extLst>
+          </p:cNvPr>
+          <p:cNvSpPr txBox="1"/>
+          <p:nvPr/>
+        </p:nvSpPr>
+        <p:spPr>
+          <a:xfrm>
+            <a:off x="1152746" y="203962"/>
+            <a:ext cx="2838450" cy="584775"/>
+          </a:xfrm>
+          <a:prstGeom prst="rect">
+            <a:avLst/>
+          </a:prstGeom>
+          <a:noFill/>
+          <a:ln w="19050">
+            <a:solidFill>
+              <a:schemeClr val="tx1"/>
+            </a:solidFill>
+          </a:ln>
+        </p:spPr>
+        <p:txBody>
+          <a:bodyPr wrap="square" rtlCol="0">
+            <a:spAutoFit/>
+          </a:bodyPr>
+          <a:lstStyle/>
+          <a:p>
+            <a:pPr algn="ctr"/>
+            <a:r>
+              <a:rPr lang="es-ES" sz="3200" b="1" dirty="0"/>
+              <a:t>C2 JAVA BASICS</a:t>
+            </a:r>
+          </a:p>
+        </p:txBody>
+      </p:sp>
+      <p:sp>
+        <p:nvSpPr>
+          <p:cNvPr id="7" name="Elipse 6">
+            <a:extLst>
+              <a:ext uri="{FF2B5EF4-FFF2-40B4-BE49-F238E27FC236}">
+                <a16:creationId xmlns:a16="http://schemas.microsoft.com/office/drawing/2014/main" id="{EEA54544-966A-C4B1-7024-C89CB78D24A3}"/>
+              </a:ext>
+            </a:extLst>
+          </p:cNvPr>
+          <p:cNvSpPr/>
+          <p:nvPr/>
+        </p:nvSpPr>
+        <p:spPr>
+          <a:xfrm>
+            <a:off x="162558" y="73794"/>
+            <a:ext cx="785303" cy="755583"/>
+          </a:xfrm>
+          <a:prstGeom prst="ellipse">
+            <a:avLst/>
+          </a:prstGeom>
+        </p:spPr>
+        <p:style>
+          <a:lnRef idx="2">
+            <a:schemeClr val="accent1">
+              <a:shade val="15000"/>
+            </a:schemeClr>
+          </a:lnRef>
+          <a:fillRef idx="1">
+            <a:schemeClr val="accent1"/>
+          </a:fillRef>
+          <a:effectRef idx="0">
+            <a:schemeClr val="accent1"/>
+          </a:effectRef>
+          <a:fontRef idx="minor">
+            <a:schemeClr val="lt1"/>
+          </a:fontRef>
+        </p:style>
+        <p:txBody>
+          <a:bodyPr rtlCol="0" anchor="ctr"/>
+          <a:lstStyle/>
+          <a:p>
+            <a:pPr algn="ctr"/>
+            <a:r>
+              <a:rPr lang="es-ES" b="1" dirty="0"/>
+              <a:t>TA5</a:t>
+            </a:r>
+          </a:p>
+        </p:txBody>
+      </p:sp>
+      <p:sp>
+        <p:nvSpPr>
+          <p:cNvPr id="5" name="CuadroTexto 4">
+            <a:extLst>
+              <a:ext uri="{FF2B5EF4-FFF2-40B4-BE49-F238E27FC236}">
+                <a16:creationId xmlns:a16="http://schemas.microsoft.com/office/drawing/2014/main" id="{8E688A00-FC40-0CBE-A6C7-9F3A3F422D1D}"/>
+              </a:ext>
+            </a:extLst>
+          </p:cNvPr>
+          <p:cNvSpPr txBox="1"/>
+          <p:nvPr/>
+        </p:nvSpPr>
+        <p:spPr>
+          <a:xfrm>
+            <a:off x="184329" y="1006290"/>
+            <a:ext cx="6751426" cy="2339102"/>
+          </a:xfrm>
+          <a:prstGeom prst="rect">
+            <a:avLst/>
+          </a:prstGeom>
+          <a:noFill/>
+          <a:ln>
+            <a:solidFill>
+              <a:schemeClr val="tx1"/>
+            </a:solidFill>
+            <a:prstDash val="lgDash"/>
+          </a:ln>
+        </p:spPr>
+        <p:txBody>
+          <a:bodyPr wrap="square" rtlCol="0">
+            <a:spAutoFit/>
+          </a:bodyPr>
+          <a:lstStyle>
+            <a:defPPr>
+              <a:defRPr lang="es-ES"/>
+            </a:defPPr>
+            <a:lvl1pPr algn="ctr">
+              <a:defRPr b="1"/>
+            </a:lvl1pPr>
+          </a:lstStyle>
+          <a:p>
+            <a:r>
+              <a:rPr lang="es-ES" sz="2000" dirty="0" err="1"/>
+              <a:t>String</a:t>
+            </a:r>
+            <a:r>
+              <a:rPr lang="es-ES" sz="2000" dirty="0"/>
+              <a:t> a valor numérico</a:t>
+            </a:r>
+          </a:p>
+          <a:p>
+            <a:endParaRPr lang="es-ES" dirty="0"/>
+          </a:p>
+          <a:p>
+            <a:r>
+              <a:rPr lang="es-ES" b="0" dirty="0" err="1">
+                <a:latin typeface="Courier New" panose="02070309020205020404" pitchFamily="49" charset="0"/>
+              </a:rPr>
+              <a:t>String</a:t>
+            </a:r>
+            <a:r>
+              <a:rPr lang="es-ES" b="0" dirty="0">
+                <a:latin typeface="Courier New" panose="02070309020205020404" pitchFamily="49" charset="0"/>
+              </a:rPr>
+              <a:t> </a:t>
+            </a:r>
+            <a:r>
+              <a:rPr lang="es-ES" b="0" dirty="0" err="1">
+                <a:latin typeface="Courier New" panose="02070309020205020404" pitchFamily="49" charset="0"/>
+              </a:rPr>
+              <a:t>aINTRO</a:t>
+            </a:r>
+            <a:r>
+              <a:rPr lang="es-ES" b="0" dirty="0">
+                <a:latin typeface="Courier New" panose="02070309020205020404" pitchFamily="49" charset="0"/>
+              </a:rPr>
+              <a:t> = </a:t>
+            </a:r>
+            <a:r>
+              <a:rPr lang="es-ES" b="0" dirty="0" err="1">
+                <a:latin typeface="Courier New" panose="02070309020205020404" pitchFamily="49" charset="0"/>
+              </a:rPr>
+              <a:t>sc.nextLine</a:t>
+            </a:r>
+            <a:r>
+              <a:rPr lang="es-ES" b="0" dirty="0">
+                <a:latin typeface="Courier New" panose="02070309020205020404" pitchFamily="49" charset="0"/>
+              </a:rPr>
+              <a:t>();</a:t>
+            </a:r>
+          </a:p>
+          <a:p>
+            <a:r>
+              <a:rPr lang="es-ES" b="0" i="1" dirty="0">
+                <a:latin typeface="Courier New" panose="02070309020205020404" pitchFamily="49" charset="0"/>
+              </a:rPr>
+              <a:t>Ej.: </a:t>
+            </a:r>
+            <a:r>
+              <a:rPr lang="es-ES" b="0" i="1" dirty="0" err="1">
+                <a:latin typeface="Courier New" panose="02070309020205020404" pitchFamily="49" charset="0"/>
+              </a:rPr>
+              <a:t>entry</a:t>
+            </a:r>
+            <a:r>
+              <a:rPr lang="es-ES" b="0" i="1" dirty="0">
+                <a:latin typeface="Courier New" panose="02070309020205020404" pitchFamily="49" charset="0"/>
+              </a:rPr>
+              <a:t> por consola</a:t>
+            </a:r>
+            <a:endParaRPr lang="es-ES" i="1" dirty="0">
+              <a:latin typeface="Courier New" panose="02070309020205020404" pitchFamily="49" charset="0"/>
+            </a:endParaRPr>
+          </a:p>
+          <a:p>
+            <a:endParaRPr lang="es-ES" dirty="0">
+              <a:latin typeface="Courier New" panose="02070309020205020404" pitchFamily="49" charset="0"/>
+            </a:endParaRPr>
+          </a:p>
+          <a:p>
+            <a:pPr algn="l"/>
+            <a:r>
+              <a:rPr lang="es-ES" b="0" dirty="0" err="1">
+                <a:latin typeface="Courier New" panose="02070309020205020404" pitchFamily="49" charset="0"/>
+              </a:rPr>
+              <a:t>int</a:t>
+            </a:r>
+            <a:r>
+              <a:rPr lang="es-ES" b="0" dirty="0">
+                <a:latin typeface="Courier New" panose="02070309020205020404" pitchFamily="49" charset="0"/>
+              </a:rPr>
+              <a:t> a = </a:t>
+            </a:r>
+            <a:r>
+              <a:rPr lang="es-ES" b="0" dirty="0" err="1">
+                <a:latin typeface="Courier New" panose="02070309020205020404" pitchFamily="49" charset="0"/>
+              </a:rPr>
+              <a:t>Integer.parseInt</a:t>
+            </a:r>
+            <a:r>
+              <a:rPr lang="es-ES" b="0" dirty="0">
+                <a:latin typeface="Courier New" panose="02070309020205020404" pitchFamily="49" charset="0"/>
+              </a:rPr>
+              <a:t>(</a:t>
+            </a:r>
+            <a:r>
+              <a:rPr lang="es-ES" b="0" dirty="0" err="1">
+                <a:latin typeface="Courier New" panose="02070309020205020404" pitchFamily="49" charset="0"/>
+              </a:rPr>
+              <a:t>aINTRO</a:t>
+            </a:r>
+            <a:r>
+              <a:rPr lang="es-ES" b="0" dirty="0">
+                <a:latin typeface="Courier New" panose="02070309020205020404" pitchFamily="49" charset="0"/>
+              </a:rPr>
+              <a:t>); </a:t>
+            </a:r>
+            <a:r>
+              <a:rPr lang="es-ES" b="0" i="1" dirty="0">
+                <a:latin typeface="Courier New" panose="02070309020205020404" pitchFamily="49" charset="0"/>
+              </a:rPr>
+              <a:t>entero</a:t>
+            </a:r>
+          </a:p>
+          <a:p>
+            <a:pPr algn="l"/>
+            <a:r>
+              <a:rPr lang="fr-FR" b="0" dirty="0">
+                <a:latin typeface="Courier New" panose="02070309020205020404" pitchFamily="49" charset="0"/>
+              </a:rPr>
+              <a:t>double a = </a:t>
+            </a:r>
+            <a:r>
+              <a:rPr lang="fr-FR" b="0" dirty="0" err="1">
+                <a:latin typeface="Courier New" panose="02070309020205020404" pitchFamily="49" charset="0"/>
+              </a:rPr>
+              <a:t>Double.parseDouble</a:t>
+            </a:r>
+            <a:r>
+              <a:rPr lang="fr-FR" b="0" dirty="0">
+                <a:latin typeface="Courier New" panose="02070309020205020404" pitchFamily="49" charset="0"/>
+              </a:rPr>
+              <a:t>(</a:t>
+            </a:r>
+            <a:r>
+              <a:rPr lang="fr-FR" b="0" dirty="0" err="1">
+                <a:latin typeface="Courier New" panose="02070309020205020404" pitchFamily="49" charset="0"/>
+              </a:rPr>
+              <a:t>aINTRO</a:t>
+            </a:r>
+            <a:r>
+              <a:rPr lang="fr-FR" b="0" dirty="0">
+                <a:latin typeface="Courier New" panose="02070309020205020404" pitchFamily="49" charset="0"/>
+              </a:rPr>
+              <a:t>);</a:t>
+            </a:r>
+            <a:r>
+              <a:rPr lang="fr-FR" b="0" i="1" dirty="0" err="1">
+                <a:latin typeface="Courier New" panose="02070309020205020404" pitchFamily="49" charset="0"/>
+              </a:rPr>
+              <a:t>decimal</a:t>
+            </a:r>
+            <a:endParaRPr lang="fr-FR" b="0" i="1" dirty="0">
+              <a:latin typeface="Courier New" panose="02070309020205020404" pitchFamily="49" charset="0"/>
+            </a:endParaRPr>
+          </a:p>
+          <a:p>
+            <a:pPr algn="l"/>
+            <a:r>
+              <a:rPr lang="fr-FR" b="0" dirty="0">
+                <a:latin typeface="Courier New" panose="02070309020205020404" pitchFamily="49" charset="0"/>
+              </a:rPr>
+              <a:t>long/short/byte/</a:t>
+            </a:r>
+            <a:r>
+              <a:rPr lang="fr-FR" b="0" dirty="0" err="1">
+                <a:latin typeface="Courier New" panose="02070309020205020404" pitchFamily="49" charset="0"/>
+              </a:rPr>
+              <a:t>float</a:t>
+            </a:r>
+            <a:r>
+              <a:rPr lang="fr-FR" b="0" dirty="0">
+                <a:latin typeface="Courier New" panose="02070309020205020404" pitchFamily="49" charset="0"/>
+              </a:rPr>
+              <a:t> a = l….</a:t>
+            </a:r>
+            <a:r>
+              <a:rPr lang="fr-FR" b="0" dirty="0" err="1">
+                <a:latin typeface="Courier New" panose="02070309020205020404" pitchFamily="49" charset="0"/>
+              </a:rPr>
+              <a:t>parseL</a:t>
+            </a:r>
+            <a:r>
+              <a:rPr lang="fr-FR" b="0" dirty="0">
+                <a:latin typeface="Courier New" panose="02070309020205020404" pitchFamily="49" charset="0"/>
+              </a:rPr>
+              <a:t>…(</a:t>
+            </a:r>
+            <a:r>
+              <a:rPr lang="fr-FR" b="0" dirty="0" err="1">
+                <a:latin typeface="Courier New" panose="02070309020205020404" pitchFamily="49" charset="0"/>
+              </a:rPr>
+              <a:t>aIntro</a:t>
+            </a:r>
+            <a:r>
+              <a:rPr lang="fr-FR" b="0" dirty="0">
+                <a:latin typeface="Courier New" panose="02070309020205020404" pitchFamily="49" charset="0"/>
+              </a:rPr>
+              <a:t>);</a:t>
+            </a:r>
+            <a:endParaRPr lang="es-ES" b="0" dirty="0">
+              <a:latin typeface="Courier New" panose="02070309020205020404" pitchFamily="49" charset="0"/>
+            </a:endParaRPr>
+          </a:p>
+        </p:txBody>
+      </p:sp>
+      <p:sp>
+        <p:nvSpPr>
+          <p:cNvPr id="8" name="CuadroTexto 7">
+            <a:extLst>
+              <a:ext uri="{FF2B5EF4-FFF2-40B4-BE49-F238E27FC236}">
+                <a16:creationId xmlns:a16="http://schemas.microsoft.com/office/drawing/2014/main" id="{EFB372BE-F1D4-24C6-2B1D-B5261498C41C}"/>
+              </a:ext>
+            </a:extLst>
+          </p:cNvPr>
+          <p:cNvSpPr txBox="1"/>
+          <p:nvPr/>
+        </p:nvSpPr>
+        <p:spPr>
+          <a:xfrm>
+            <a:off x="162558" y="3567610"/>
+            <a:ext cx="7236618" cy="2616101"/>
+          </a:xfrm>
+          <a:prstGeom prst="rect">
+            <a:avLst/>
+          </a:prstGeom>
+          <a:noFill/>
+          <a:ln>
+            <a:solidFill>
+              <a:schemeClr val="tx1"/>
+            </a:solidFill>
+            <a:prstDash val="lgDash"/>
+          </a:ln>
+        </p:spPr>
+        <p:txBody>
+          <a:bodyPr wrap="square" rtlCol="0">
+            <a:spAutoFit/>
+          </a:bodyPr>
+          <a:lstStyle>
+            <a:defPPr>
+              <a:defRPr lang="es-ES"/>
+            </a:defPPr>
+            <a:lvl1pPr algn="ctr">
+              <a:defRPr b="1"/>
+            </a:lvl1pPr>
+          </a:lstStyle>
+          <a:p>
+            <a:r>
+              <a:rPr lang="es-ES" sz="2000" dirty="0"/>
+              <a:t>Modificar formato </a:t>
+            </a:r>
+            <a:r>
+              <a:rPr lang="es-ES" sz="2000" dirty="0" err="1"/>
+              <a:t>String</a:t>
+            </a:r>
+            <a:endParaRPr lang="es-ES" sz="2000" dirty="0"/>
+          </a:p>
+          <a:p>
+            <a:endParaRPr lang="es-ES" dirty="0"/>
+          </a:p>
+          <a:p>
+            <a:pPr algn="l"/>
+            <a:r>
+              <a:rPr lang="es-ES" b="0" dirty="0">
+                <a:effectLst/>
+                <a:latin typeface="Courier New" panose="02070309020205020404" pitchFamily="49" charset="0"/>
+              </a:rPr>
+              <a:t>cadena = </a:t>
+            </a:r>
+            <a:r>
+              <a:rPr lang="es-ES" b="0" dirty="0" err="1">
+                <a:effectLst/>
+                <a:latin typeface="Courier New" panose="02070309020205020404" pitchFamily="49" charset="0"/>
+              </a:rPr>
+              <a:t>cadena.toUpperCase</a:t>
+            </a:r>
+            <a:r>
+              <a:rPr lang="es-ES" b="0" dirty="0">
+                <a:effectLst/>
+                <a:latin typeface="Courier New" panose="02070309020205020404" pitchFamily="49" charset="0"/>
+              </a:rPr>
+              <a:t>(); </a:t>
+            </a:r>
+            <a:r>
+              <a:rPr lang="es-ES" b="0" i="1" dirty="0" err="1">
+                <a:effectLst/>
+                <a:latin typeface="Courier New" panose="02070309020205020404" pitchFamily="49" charset="0"/>
+              </a:rPr>
+              <a:t>caps</a:t>
+            </a:r>
+            <a:endParaRPr lang="es-ES" b="0" i="1" dirty="0">
+              <a:effectLst/>
+              <a:latin typeface="Courier New" panose="02070309020205020404" pitchFamily="49" charset="0"/>
+            </a:endParaRPr>
+          </a:p>
+          <a:p>
+            <a:pPr algn="l"/>
+            <a:r>
+              <a:rPr lang="es-ES" b="0" dirty="0">
+                <a:effectLst/>
+                <a:latin typeface="Courier New" panose="02070309020205020404" pitchFamily="49" charset="0"/>
+              </a:rPr>
+              <a:t>cadena = </a:t>
+            </a:r>
+            <a:r>
+              <a:rPr lang="es-ES" b="0" dirty="0" err="1">
+                <a:effectLst/>
+                <a:latin typeface="Courier New" panose="02070309020205020404" pitchFamily="49" charset="0"/>
+              </a:rPr>
+              <a:t>cadena.toLowerCase</a:t>
+            </a:r>
+            <a:r>
+              <a:rPr lang="es-ES" b="0" dirty="0">
+                <a:effectLst/>
+                <a:latin typeface="Courier New" panose="02070309020205020404" pitchFamily="49" charset="0"/>
+              </a:rPr>
+              <a:t>(); </a:t>
+            </a:r>
+            <a:r>
+              <a:rPr lang="es-ES" b="0" i="1" dirty="0" err="1">
+                <a:effectLst/>
+                <a:latin typeface="Courier New" panose="02070309020205020404" pitchFamily="49" charset="0"/>
+              </a:rPr>
+              <a:t>low</a:t>
+            </a:r>
+            <a:endParaRPr lang="es-ES" b="0" i="1" dirty="0">
+              <a:effectLst/>
+              <a:latin typeface="Courier New" panose="02070309020205020404" pitchFamily="49" charset="0"/>
+            </a:endParaRPr>
+          </a:p>
+          <a:p>
+            <a:pPr algn="l"/>
+            <a:r>
+              <a:rPr lang="es-ES" sz="1800" b="0" dirty="0">
+                <a:effectLst/>
+                <a:latin typeface="Courier New" panose="02070309020205020404" pitchFamily="49" charset="0"/>
+              </a:rPr>
+              <a:t>cadena = </a:t>
+            </a:r>
+            <a:r>
+              <a:rPr lang="es-ES" sz="1800" b="0" dirty="0" err="1">
+                <a:effectLst/>
+                <a:latin typeface="Courier New" panose="02070309020205020404" pitchFamily="49" charset="0"/>
+              </a:rPr>
+              <a:t>cadena.trim</a:t>
+            </a:r>
+            <a:r>
+              <a:rPr lang="es-ES" sz="1800" b="0" dirty="0">
+                <a:effectLst/>
+                <a:latin typeface="Courier New" panose="02070309020205020404" pitchFamily="49" charset="0"/>
+              </a:rPr>
+              <a:t>(); </a:t>
+            </a:r>
+            <a:r>
+              <a:rPr lang="es-ES" sz="1800" b="0" i="1" dirty="0">
+                <a:effectLst/>
+                <a:latin typeface="Courier New" panose="02070309020205020404" pitchFamily="49" charset="0"/>
+              </a:rPr>
+              <a:t>elimina espacios en blanco</a:t>
+            </a:r>
+          </a:p>
+          <a:p>
+            <a:pPr algn="l"/>
+            <a:r>
+              <a:rPr lang="es-ES" b="0" dirty="0" err="1">
+                <a:latin typeface="Courier New" panose="02070309020205020404" pitchFamily="49" charset="0"/>
+              </a:rPr>
+              <a:t>newCadena</a:t>
+            </a:r>
+            <a:r>
+              <a:rPr lang="es-ES" b="0" dirty="0">
+                <a:latin typeface="Courier New" panose="02070309020205020404" pitchFamily="49" charset="0"/>
+              </a:rPr>
+              <a:t> = </a:t>
+            </a:r>
+            <a:r>
+              <a:rPr lang="es-ES" b="0" dirty="0" err="1">
+                <a:latin typeface="Courier New" panose="02070309020205020404" pitchFamily="49" charset="0"/>
+              </a:rPr>
+              <a:t>cadena.replace</a:t>
+            </a:r>
+            <a:r>
+              <a:rPr lang="es-ES" b="0" dirty="0">
+                <a:latin typeface="Courier New" panose="02070309020205020404" pitchFamily="49" charset="0"/>
+              </a:rPr>
+              <a:t>(‘</a:t>
+            </a:r>
+            <a:r>
+              <a:rPr lang="es-ES" b="0" dirty="0" err="1">
+                <a:latin typeface="Courier New" panose="02070309020205020404" pitchFamily="49" charset="0"/>
+              </a:rPr>
+              <a:t>a’,’b</a:t>
+            </a:r>
+            <a:r>
+              <a:rPr lang="es-ES" b="0" dirty="0">
+                <a:latin typeface="Courier New" panose="02070309020205020404" pitchFamily="49" charset="0"/>
+              </a:rPr>
+              <a:t>’); </a:t>
+            </a:r>
+            <a:r>
+              <a:rPr lang="es-ES" b="0" i="1" dirty="0">
+                <a:latin typeface="Courier New" panose="02070309020205020404" pitchFamily="49" charset="0"/>
+              </a:rPr>
+              <a:t>a </a:t>
+            </a:r>
+            <a:r>
+              <a:rPr lang="es-ES" b="0" i="1" dirty="0">
+                <a:latin typeface="Courier New" panose="02070309020205020404" pitchFamily="49" charset="0"/>
+                <a:sym typeface="Wingdings" panose="05000000000000000000" pitchFamily="2" charset="2"/>
+              </a:rPr>
+              <a:t> b</a:t>
+            </a:r>
+          </a:p>
+          <a:p>
+            <a:pPr algn="l"/>
+            <a:r>
+              <a:rPr lang="es-ES" b="0" dirty="0" err="1">
+                <a:latin typeface="Courier New" panose="02070309020205020404" pitchFamily="49" charset="0"/>
+              </a:rPr>
+              <a:t>newCadena</a:t>
+            </a:r>
+            <a:r>
+              <a:rPr lang="es-ES" b="0" dirty="0">
+                <a:latin typeface="Courier New" panose="02070309020205020404" pitchFamily="49" charset="0"/>
+              </a:rPr>
+              <a:t> = </a:t>
+            </a:r>
+            <a:r>
+              <a:rPr lang="es-ES" b="0" dirty="0" err="1">
+                <a:latin typeface="Courier New" panose="02070309020205020404" pitchFamily="49" charset="0"/>
+              </a:rPr>
+              <a:t>cadena.replaceAll</a:t>
+            </a:r>
+            <a:r>
+              <a:rPr lang="es-ES" b="0" dirty="0">
+                <a:latin typeface="Courier New" panose="02070309020205020404" pitchFamily="49" charset="0"/>
+              </a:rPr>
+              <a:t>(‘hi’,’</a:t>
+            </a:r>
+            <a:r>
+              <a:rPr lang="es-ES" b="0" dirty="0" err="1">
+                <a:latin typeface="Courier New" panose="02070309020205020404" pitchFamily="49" charset="0"/>
+              </a:rPr>
+              <a:t>bye</a:t>
+            </a:r>
+            <a:r>
+              <a:rPr lang="es-ES" b="0" dirty="0">
+                <a:latin typeface="Courier New" panose="02070309020205020404" pitchFamily="49" charset="0"/>
+              </a:rPr>
+              <a:t>’); </a:t>
+            </a:r>
+            <a:r>
+              <a:rPr lang="es-ES" b="0" i="1" dirty="0">
+                <a:latin typeface="Courier New" panose="02070309020205020404" pitchFamily="49" charset="0"/>
+              </a:rPr>
+              <a:t>hi </a:t>
+            </a:r>
+            <a:r>
+              <a:rPr lang="es-ES" b="0" i="1" dirty="0">
+                <a:latin typeface="Courier New" panose="02070309020205020404" pitchFamily="49" charset="0"/>
+                <a:sym typeface="Wingdings" panose="05000000000000000000" pitchFamily="2" charset="2"/>
+              </a:rPr>
+              <a:t> </a:t>
+            </a:r>
+            <a:r>
+              <a:rPr lang="es-ES" b="0" i="1" dirty="0" err="1">
+                <a:latin typeface="Courier New" panose="02070309020205020404" pitchFamily="49" charset="0"/>
+                <a:sym typeface="Wingdings" panose="05000000000000000000" pitchFamily="2" charset="2"/>
+              </a:rPr>
+              <a:t>bye</a:t>
+            </a:r>
+            <a:endParaRPr lang="es-ES" b="0" i="1" dirty="0">
+              <a:latin typeface="Courier New" panose="02070309020205020404" pitchFamily="49" charset="0"/>
+              <a:sym typeface="Wingdings" panose="05000000000000000000" pitchFamily="2" charset="2"/>
+            </a:endParaRPr>
+          </a:p>
+          <a:p>
+            <a:pPr algn="l"/>
+            <a:r>
+              <a:rPr lang="es-ES" b="0" dirty="0" err="1">
+                <a:latin typeface="Courier New" panose="02070309020205020404" pitchFamily="49" charset="0"/>
+                <a:sym typeface="Wingdings" panose="05000000000000000000" pitchFamily="2" charset="2"/>
+              </a:rPr>
+              <a:t>halfCadena</a:t>
+            </a:r>
+            <a:r>
+              <a:rPr lang="es-ES" b="0" dirty="0">
+                <a:latin typeface="Courier New" panose="02070309020205020404" pitchFamily="49" charset="0"/>
+                <a:sym typeface="Wingdings" panose="05000000000000000000" pitchFamily="2" charset="2"/>
+              </a:rPr>
+              <a:t> = </a:t>
+            </a:r>
+            <a:r>
+              <a:rPr lang="es-ES" b="0" dirty="0" err="1">
+                <a:latin typeface="Courier New" panose="02070309020205020404" pitchFamily="49" charset="0"/>
+                <a:sym typeface="Wingdings" panose="05000000000000000000" pitchFamily="2" charset="2"/>
+              </a:rPr>
+              <a:t>cadena.split</a:t>
+            </a:r>
+            <a:r>
+              <a:rPr lang="es-ES" b="0" dirty="0">
+                <a:latin typeface="Courier New" panose="02070309020205020404" pitchFamily="49" charset="0"/>
+                <a:sym typeface="Wingdings" panose="05000000000000000000" pitchFamily="2" charset="2"/>
+              </a:rPr>
+              <a:t>(”,”); </a:t>
+            </a:r>
+            <a:r>
+              <a:rPr lang="es-ES" b="0" i="1" dirty="0">
+                <a:latin typeface="Courier New" panose="02070309020205020404" pitchFamily="49" charset="0"/>
+                <a:sym typeface="Wingdings" panose="05000000000000000000" pitchFamily="2" charset="2"/>
+              </a:rPr>
+              <a:t>comas  ENTER</a:t>
+            </a:r>
+          </a:p>
+          <a:p>
+            <a:pPr algn="l"/>
+            <a:endParaRPr lang="es-ES" b="0" dirty="0">
+              <a:latin typeface="Courier New" panose="02070309020205020404" pitchFamily="49" charset="0"/>
+            </a:endParaRPr>
+          </a:p>
+        </p:txBody>
+      </p:sp>
+      <p:sp>
+        <p:nvSpPr>
+          <p:cNvPr id="10" name="CuadroTexto 9">
+            <a:extLst>
+              <a:ext uri="{FF2B5EF4-FFF2-40B4-BE49-F238E27FC236}">
+                <a16:creationId xmlns:a16="http://schemas.microsoft.com/office/drawing/2014/main" id="{3405A794-937B-5400-82F0-314D87AADA8C}"/>
+              </a:ext>
+            </a:extLst>
+          </p:cNvPr>
+          <p:cNvSpPr txBox="1"/>
+          <p:nvPr/>
+        </p:nvSpPr>
+        <p:spPr>
+          <a:xfrm>
+            <a:off x="7520474" y="73794"/>
+            <a:ext cx="4415662" cy="3477875"/>
+          </a:xfrm>
+          <a:prstGeom prst="rect">
+            <a:avLst/>
+          </a:prstGeom>
+          <a:noFill/>
+          <a:ln>
+            <a:solidFill>
+              <a:schemeClr val="tx1"/>
+            </a:solidFill>
+            <a:prstDash val="lgDash"/>
+          </a:ln>
+        </p:spPr>
+        <p:txBody>
+          <a:bodyPr wrap="square" rtlCol="0">
+            <a:spAutoFit/>
+          </a:bodyPr>
+          <a:lstStyle>
+            <a:defPPr>
+              <a:defRPr lang="es-ES"/>
+            </a:defPPr>
+            <a:lvl1pPr algn="ctr">
+              <a:defRPr b="1"/>
+            </a:lvl1pPr>
+          </a:lstStyle>
+          <a:p>
+            <a:r>
+              <a:rPr lang="es-ES" sz="2000" dirty="0"/>
+              <a:t>Desglosar/Unir </a:t>
+            </a:r>
+            <a:r>
+              <a:rPr lang="es-ES" sz="2000" dirty="0" err="1"/>
+              <a:t>String</a:t>
+            </a:r>
+            <a:endParaRPr lang="es-ES" sz="2000" dirty="0"/>
+          </a:p>
+          <a:p>
+            <a:endParaRPr lang="es-ES" sz="2000" dirty="0"/>
+          </a:p>
+          <a:p>
+            <a:r>
+              <a:rPr lang="es-ES" b="0" dirty="0" err="1">
+                <a:latin typeface="Courier New" panose="02070309020205020404" pitchFamily="49" charset="0"/>
+              </a:rPr>
+              <a:t>String</a:t>
+            </a:r>
+            <a:r>
+              <a:rPr lang="es-ES" b="0" dirty="0">
+                <a:latin typeface="Courier New" panose="02070309020205020404" pitchFamily="49" charset="0"/>
+              </a:rPr>
+              <a:t> </a:t>
+            </a:r>
+            <a:r>
+              <a:rPr lang="es-ES" b="0" dirty="0" err="1">
+                <a:latin typeface="Courier New" panose="02070309020205020404" pitchFamily="49" charset="0"/>
+              </a:rPr>
+              <a:t>subCadena</a:t>
+            </a:r>
+            <a:r>
+              <a:rPr lang="es-ES" b="0" dirty="0">
+                <a:latin typeface="Courier New" panose="02070309020205020404" pitchFamily="49" charset="0"/>
+              </a:rPr>
+              <a:t> = </a:t>
+            </a:r>
+            <a:r>
+              <a:rPr lang="es-ES" b="0" dirty="0" err="1">
+                <a:latin typeface="Courier New" panose="02070309020205020404" pitchFamily="49" charset="0"/>
+              </a:rPr>
+              <a:t>cadena.substring</a:t>
+            </a:r>
+            <a:r>
+              <a:rPr lang="es-ES" b="0" dirty="0">
+                <a:latin typeface="Courier New" panose="02070309020205020404" pitchFamily="49" charset="0"/>
+              </a:rPr>
+              <a:t>(</a:t>
+            </a:r>
+            <a:r>
+              <a:rPr lang="es-ES" b="0" dirty="0" err="1">
+                <a:latin typeface="Courier New" panose="02070309020205020404" pitchFamily="49" charset="0"/>
+              </a:rPr>
+              <a:t>x,y</a:t>
+            </a:r>
+            <a:r>
+              <a:rPr lang="es-ES" b="0" dirty="0">
+                <a:latin typeface="Courier New" panose="02070309020205020404" pitchFamily="49" charset="0"/>
+              </a:rPr>
+              <a:t>);</a:t>
+            </a:r>
+          </a:p>
+          <a:p>
+            <a:r>
+              <a:rPr lang="es-ES" b="0" i="1" dirty="0">
+                <a:effectLst/>
+                <a:latin typeface="Courier New" panose="02070309020205020404" pitchFamily="49" charset="0"/>
+              </a:rPr>
+              <a:t>Extraer </a:t>
+            </a:r>
+            <a:r>
+              <a:rPr lang="es-ES" b="0" i="1" dirty="0" err="1">
+                <a:effectLst/>
+                <a:latin typeface="Courier New" panose="02070309020205020404" pitchFamily="49" charset="0"/>
+              </a:rPr>
+              <a:t>subString</a:t>
+            </a:r>
+            <a:endParaRPr lang="es-ES" b="0" i="1" dirty="0">
+              <a:effectLst/>
+              <a:latin typeface="Courier New" panose="02070309020205020404" pitchFamily="49" charset="0"/>
+            </a:endParaRPr>
+          </a:p>
+          <a:p>
+            <a:endParaRPr lang="es-ES" b="0" dirty="0">
+              <a:latin typeface="Courier New" panose="02070309020205020404" pitchFamily="49" charset="0"/>
+            </a:endParaRPr>
+          </a:p>
+          <a:p>
+            <a:r>
+              <a:rPr lang="es-ES" b="0" dirty="0">
+                <a:latin typeface="Courier New" panose="02070309020205020404" pitchFamily="49" charset="0"/>
+              </a:rPr>
+              <a:t>cad1 = “Hola”;</a:t>
+            </a:r>
+          </a:p>
+          <a:p>
+            <a:r>
+              <a:rPr lang="es-ES" b="0" dirty="0">
+                <a:latin typeface="Courier New" panose="02070309020205020404" pitchFamily="49" charset="0"/>
+              </a:rPr>
+              <a:t>cad2 = “mundo”</a:t>
+            </a:r>
+          </a:p>
+          <a:p>
+            <a:r>
+              <a:rPr lang="es-ES" b="0" i="1" dirty="0">
+                <a:latin typeface="Courier New" panose="02070309020205020404" pitchFamily="49" charset="0"/>
+              </a:rPr>
+              <a:t>Concatenar</a:t>
+            </a:r>
+            <a:endParaRPr lang="es-ES" b="0" dirty="0">
+              <a:latin typeface="Courier New" panose="02070309020205020404" pitchFamily="49" charset="0"/>
+            </a:endParaRPr>
+          </a:p>
+          <a:p>
+            <a:r>
+              <a:rPr lang="es-ES" b="0" dirty="0" err="1">
+                <a:latin typeface="Courier New" panose="02070309020205020404" pitchFamily="49" charset="0"/>
+              </a:rPr>
+              <a:t>String</a:t>
+            </a:r>
+            <a:r>
+              <a:rPr lang="es-ES" b="0" dirty="0">
+                <a:latin typeface="Courier New" panose="02070309020205020404" pitchFamily="49" charset="0"/>
+              </a:rPr>
+              <a:t> frase =</a:t>
+            </a:r>
+          </a:p>
+          <a:p>
+            <a:r>
+              <a:rPr lang="es-ES" b="0" dirty="0">
+                <a:latin typeface="Courier New" panose="02070309020205020404" pitchFamily="49" charset="0"/>
+              </a:rPr>
+              <a:t>cad1.concat(“, ”).</a:t>
+            </a:r>
+            <a:r>
+              <a:rPr lang="es-ES" b="0" dirty="0" err="1">
+                <a:latin typeface="Courier New" panose="02070309020205020404" pitchFamily="49" charset="0"/>
+              </a:rPr>
+              <a:t>concat</a:t>
+            </a:r>
+            <a:r>
+              <a:rPr lang="es-ES" b="0" dirty="0">
+                <a:latin typeface="Courier New" panose="02070309020205020404" pitchFamily="49" charset="0"/>
+              </a:rPr>
+              <a:t>(cad2);</a:t>
+            </a:r>
+          </a:p>
+          <a:p>
+            <a:pPr marL="285750" indent="-285750">
+              <a:buFont typeface="Wingdings" panose="05000000000000000000" pitchFamily="2" charset="2"/>
+              <a:buChar char="à"/>
+            </a:pPr>
+            <a:r>
+              <a:rPr lang="es-ES" b="0" dirty="0">
+                <a:latin typeface="Courier New" panose="02070309020205020404" pitchFamily="49" charset="0"/>
+                <a:sym typeface="Wingdings" panose="05000000000000000000" pitchFamily="2" charset="2"/>
+              </a:rPr>
+              <a:t>Hola, mundo</a:t>
+            </a:r>
+            <a:endParaRPr lang="es-ES" b="0" dirty="0">
+              <a:latin typeface="Courier New" panose="02070309020205020404" pitchFamily="49" charset="0"/>
+            </a:endParaRPr>
+          </a:p>
+        </p:txBody>
+      </p:sp>
+      <p:sp>
+        <p:nvSpPr>
+          <p:cNvPr id="14" name="CuadroTexto 13">
+            <a:extLst>
+              <a:ext uri="{FF2B5EF4-FFF2-40B4-BE49-F238E27FC236}">
+                <a16:creationId xmlns:a16="http://schemas.microsoft.com/office/drawing/2014/main" id="{EF49F2EF-94CE-1B8E-2A5A-2E71E98FEA8B}"/>
+              </a:ext>
+            </a:extLst>
+          </p:cNvPr>
+          <p:cNvSpPr txBox="1"/>
+          <p:nvPr/>
+        </p:nvSpPr>
+        <p:spPr>
+          <a:xfrm>
+            <a:off x="7520474" y="3685658"/>
+            <a:ext cx="4415662" cy="2893100"/>
+          </a:xfrm>
+          <a:prstGeom prst="rect">
+            <a:avLst/>
+          </a:prstGeom>
+          <a:noFill/>
+          <a:ln>
+            <a:solidFill>
+              <a:schemeClr val="tx1"/>
+            </a:solidFill>
+            <a:prstDash val="lgDash"/>
+          </a:ln>
+        </p:spPr>
+        <p:txBody>
+          <a:bodyPr wrap="square" rtlCol="0">
+            <a:spAutoFit/>
+          </a:bodyPr>
+          <a:lstStyle>
+            <a:defPPr>
+              <a:defRPr lang="es-ES"/>
+            </a:defPPr>
+            <a:lvl1pPr algn="ctr">
+              <a:defRPr b="1"/>
+            </a:lvl1pPr>
+          </a:lstStyle>
+          <a:p>
+            <a:r>
+              <a:rPr lang="es-ES" sz="2000" dirty="0"/>
+              <a:t>Buscar en </a:t>
+            </a:r>
+            <a:r>
+              <a:rPr lang="es-ES" sz="2000" dirty="0" err="1"/>
+              <a:t>String</a:t>
+            </a:r>
+            <a:endParaRPr lang="es-ES" sz="2000" dirty="0"/>
+          </a:p>
+          <a:p>
+            <a:r>
+              <a:rPr lang="es-ES" b="0" dirty="0" err="1">
+                <a:latin typeface="Courier New" panose="02070309020205020404" pitchFamily="49" charset="0"/>
+              </a:rPr>
+              <a:t>String</a:t>
+            </a:r>
+            <a:r>
+              <a:rPr lang="es-ES" b="0" dirty="0">
+                <a:latin typeface="Courier New" panose="02070309020205020404" pitchFamily="49" charset="0"/>
+              </a:rPr>
+              <a:t> cadena = “coche rojo”;</a:t>
+            </a:r>
+          </a:p>
+          <a:p>
+            <a:r>
+              <a:rPr lang="es-ES" b="0" dirty="0" err="1">
+                <a:latin typeface="Courier New" panose="02070309020205020404" pitchFamily="49" charset="0"/>
+              </a:rPr>
+              <a:t>boolean</a:t>
+            </a:r>
+            <a:r>
+              <a:rPr lang="es-ES" b="0" dirty="0">
+                <a:latin typeface="Courier New" panose="02070309020205020404" pitchFamily="49" charset="0"/>
+              </a:rPr>
+              <a:t> </a:t>
+            </a:r>
+            <a:r>
+              <a:rPr lang="es-ES" b="0" dirty="0" err="1">
+                <a:latin typeface="Courier New" panose="02070309020205020404" pitchFamily="49" charset="0"/>
+              </a:rPr>
+              <a:t>cRojo</a:t>
+            </a:r>
+            <a:r>
+              <a:rPr lang="es-ES" b="0" dirty="0">
+                <a:latin typeface="Courier New" panose="02070309020205020404" pitchFamily="49" charset="0"/>
+              </a:rPr>
+              <a:t> = </a:t>
+            </a:r>
+            <a:r>
+              <a:rPr lang="es-ES" b="0" dirty="0" err="1">
+                <a:latin typeface="Courier New" panose="02070309020205020404" pitchFamily="49" charset="0"/>
+              </a:rPr>
+              <a:t>cadena.contains</a:t>
+            </a:r>
+            <a:r>
+              <a:rPr lang="es-ES" b="0" dirty="0">
+                <a:latin typeface="Courier New" panose="02070309020205020404" pitchFamily="49" charset="0"/>
+              </a:rPr>
+              <a:t>(“rojo”);</a:t>
+            </a:r>
+          </a:p>
+          <a:p>
+            <a:r>
+              <a:rPr lang="es-ES" b="0" i="1" dirty="0">
+                <a:latin typeface="Courier New" panose="02070309020205020404" pitchFamily="49" charset="0"/>
+              </a:rPr>
+              <a:t>Contiene (true) o no (false)</a:t>
+            </a:r>
+          </a:p>
+          <a:p>
+            <a:endParaRPr lang="es-ES" b="0" dirty="0">
+              <a:latin typeface="Courier New" panose="02070309020205020404" pitchFamily="49" charset="0"/>
+            </a:endParaRPr>
+          </a:p>
+          <a:p>
+            <a:r>
+              <a:rPr lang="es-ES" b="0" dirty="0" err="1">
+                <a:latin typeface="Courier New" panose="02070309020205020404" pitchFamily="49" charset="0"/>
+              </a:rPr>
+              <a:t>int</a:t>
+            </a:r>
+            <a:r>
+              <a:rPr lang="es-ES" b="0" dirty="0">
+                <a:latin typeface="Courier New" panose="02070309020205020404" pitchFamily="49" charset="0"/>
+              </a:rPr>
+              <a:t> </a:t>
+            </a:r>
+            <a:r>
+              <a:rPr lang="es-ES" b="0" dirty="0" err="1">
+                <a:latin typeface="Courier New" panose="02070309020205020404" pitchFamily="49" charset="0"/>
+              </a:rPr>
+              <a:t>indice</a:t>
+            </a:r>
+            <a:r>
+              <a:rPr lang="es-ES" b="0" dirty="0">
+                <a:latin typeface="Courier New" panose="02070309020205020404" pitchFamily="49" charset="0"/>
+              </a:rPr>
+              <a:t> = </a:t>
+            </a:r>
+          </a:p>
+          <a:p>
+            <a:r>
+              <a:rPr lang="es-ES" b="0" dirty="0" err="1">
+                <a:latin typeface="Courier New" panose="02070309020205020404" pitchFamily="49" charset="0"/>
+              </a:rPr>
+              <a:t>Cadena.indexOf</a:t>
+            </a:r>
+            <a:r>
+              <a:rPr lang="es-ES" b="0" dirty="0">
+                <a:latin typeface="Courier New" panose="02070309020205020404" pitchFamily="49" charset="0"/>
+              </a:rPr>
+              <a:t>(“coche”);</a:t>
+            </a:r>
+          </a:p>
+          <a:p>
+            <a:r>
+              <a:rPr lang="es-ES" b="0" i="1" dirty="0">
+                <a:latin typeface="Courier New" panose="02070309020205020404" pitchFamily="49" charset="0"/>
+              </a:rPr>
+              <a:t>Posición de la </a:t>
+            </a:r>
+            <a:r>
+              <a:rPr lang="es-ES" b="0" i="1" dirty="0" err="1">
+                <a:latin typeface="Courier New" panose="02070309020205020404" pitchFamily="49" charset="0"/>
+              </a:rPr>
+              <a:t>subcadena</a:t>
+            </a:r>
+            <a:r>
+              <a:rPr lang="es-ES" b="0" i="1" dirty="0">
+                <a:latin typeface="Courier New" panose="02070309020205020404" pitchFamily="49" charset="0"/>
+              </a:rPr>
+              <a:t> buscada</a:t>
+            </a:r>
+            <a:endParaRPr lang="es-ES" b="0" dirty="0">
+              <a:latin typeface="Courier New" panose="02070309020205020404" pitchFamily="49" charset="0"/>
+            </a:endParaRPr>
+          </a:p>
+        </p:txBody>
+      </p:sp>
+    </p:spTree>
+    <p:extLst>
+      <p:ext uri="{BB962C8B-B14F-4D97-AF65-F5344CB8AC3E}">
+        <p14:creationId xmlns:p14="http://schemas.microsoft.com/office/powerpoint/2010/main" val="474959408"/>
+      </p:ext>
+    </p:extLst>
+  </p:cSld>
+  <p:clrMapOvr>
+    <a:masterClrMapping/>
+  </p:clrMapOvr>
+</p:sld>
+</file>
+
+<file path=ppt/slides/slide4.xml><?xml version="1.0" encoding="utf-8"?>
+<p:sld xmlns:a="http://schemas.openxmlformats.org/drawingml/2006/main" xmlns:r="http://schemas.openxmlformats.org/officeDocument/2006/relationships" xmlns:p="http://schemas.openxmlformats.org/presentationml/2006/main">
+  <p:cSld>
+    <p:spTree>
+      <p:nvGrpSpPr>
+        <p:cNvPr id="1" name="">
+          <a:extLst>
+            <a:ext uri="{FF2B5EF4-FFF2-40B4-BE49-F238E27FC236}">
               <a16:creationId xmlns:a16="http://schemas.microsoft.com/office/drawing/2014/main" id="{9871C429-F464-1048-5747-9A667854AA85}"/>
             </a:ext>
           </a:extLst>
@@ -5020,7 +6109,7 @@
 </p:sld>
 </file>
 
-<file path=ppt/slides/slide4.xml><?xml version="1.0" encoding="utf-8"?>
+<file path=ppt/slides/slide5.xml><?xml version="1.0" encoding="utf-8"?>
 <p:sld xmlns:a="http://schemas.openxmlformats.org/drawingml/2006/main" xmlns:r="http://schemas.openxmlformats.org/officeDocument/2006/relationships" xmlns:p="http://schemas.openxmlformats.org/presentationml/2006/main">
   <p:cSld>
     <p:spTree>
@@ -5462,7 +6551,7 @@
 </p:sld>
 </file>
 
-<file path=ppt/slides/slide5.xml><?xml version="1.0" encoding="utf-8"?>
+<file path=ppt/slides/slide6.xml><?xml version="1.0" encoding="utf-8"?>
 <p:sld xmlns:a="http://schemas.openxmlformats.org/drawingml/2006/main" xmlns:r="http://schemas.openxmlformats.org/officeDocument/2006/relationships" xmlns:p="http://schemas.openxmlformats.org/presentationml/2006/main">
   <p:cSld>
     <p:spTree>
@@ -5724,7 +6813,7 @@
 </p:sld>
 </file>
 
-<file path=ppt/slides/slide6.xml><?xml version="1.0" encoding="utf-8"?>
+<file path=ppt/slides/slide7.xml><?xml version="1.0" encoding="utf-8"?>
 <p:sld xmlns:a="http://schemas.openxmlformats.org/drawingml/2006/main" xmlns:r="http://schemas.openxmlformats.org/officeDocument/2006/relationships" xmlns:p="http://schemas.openxmlformats.org/presentationml/2006/main">
   <p:cSld>
     <p:spTree>
@@ -5977,6 +7066,293 @@
     <p:extLst>
       <p:ext uri="{BB962C8B-B14F-4D97-AF65-F5344CB8AC3E}">
         <p14:creationId xmlns:p14="http://schemas.microsoft.com/office/powerpoint/2010/main" val="2705229135"/>
+      </p:ext>
+    </p:extLst>
+  </p:cSld>
+  <p:clrMapOvr>
+    <a:masterClrMapping/>
+  </p:clrMapOvr>
+</p:sld>
+</file>
+
+<file path=ppt/slides/slide8.xml><?xml version="1.0" encoding="utf-8"?>
+<p:sld xmlns:a="http://schemas.openxmlformats.org/drawingml/2006/main" xmlns:r="http://schemas.openxmlformats.org/officeDocument/2006/relationships" xmlns:p="http://schemas.openxmlformats.org/presentationml/2006/main">
+  <p:cSld>
+    <p:spTree>
+      <p:nvGrpSpPr>
+        <p:cNvPr id="1" name="">
+          <a:extLst>
+            <a:ext uri="{FF2B5EF4-FFF2-40B4-BE49-F238E27FC236}">
+              <a16:creationId xmlns:a16="http://schemas.microsoft.com/office/drawing/2014/main" id="{61BDA43F-06A6-E308-F58B-6837A9C3C131}"/>
+            </a:ext>
+          </a:extLst>
+        </p:cNvPr>
+        <p:cNvGrpSpPr/>
+        <p:nvPr/>
+      </p:nvGrpSpPr>
+      <p:grpSpPr>
+        <a:xfrm>
+          <a:off x="0" y="0"/>
+          <a:ext cx="0" cy="0"/>
+          <a:chOff x="0" y="0"/>
+          <a:chExt cx="0" cy="0"/>
+        </a:xfrm>
+      </p:grpSpPr>
+      <p:sp>
+        <p:nvSpPr>
+          <p:cNvPr id="6" name="CuadroTexto 5">
+            <a:extLst>
+              <a:ext uri="{FF2B5EF4-FFF2-40B4-BE49-F238E27FC236}">
+                <a16:creationId xmlns:a16="http://schemas.microsoft.com/office/drawing/2014/main" id="{9B04AD4F-AC21-E9CD-D57F-62BE47FFDDF3}"/>
+              </a:ext>
+            </a:extLst>
+          </p:cNvPr>
+          <p:cNvSpPr txBox="1"/>
+          <p:nvPr/>
+        </p:nvSpPr>
+        <p:spPr>
+          <a:xfrm>
+            <a:off x="1152746" y="203962"/>
+            <a:ext cx="5552854" cy="584775"/>
+          </a:xfrm>
+          <a:prstGeom prst="rect">
+            <a:avLst/>
+          </a:prstGeom>
+          <a:noFill/>
+          <a:ln w="19050">
+            <a:solidFill>
+              <a:schemeClr val="tx1"/>
+            </a:solidFill>
+          </a:ln>
+        </p:spPr>
+        <p:txBody>
+          <a:bodyPr wrap="square" rtlCol="0">
+            <a:spAutoFit/>
+          </a:bodyPr>
+          <a:lstStyle/>
+          <a:p>
+            <a:pPr algn="ctr"/>
+            <a:r>
+              <a:rPr lang="es-ES" sz="3200" b="1" dirty="0"/>
+              <a:t>C2 JAVA BASICS - condicionales</a:t>
+            </a:r>
+          </a:p>
+        </p:txBody>
+      </p:sp>
+      <p:sp>
+        <p:nvSpPr>
+          <p:cNvPr id="2" name="CuadroTexto 1">
+            <a:extLst>
+              <a:ext uri="{FF2B5EF4-FFF2-40B4-BE49-F238E27FC236}">
+                <a16:creationId xmlns:a16="http://schemas.microsoft.com/office/drawing/2014/main" id="{98783051-9D31-4AD9-AF2B-F9A7BFC3EBD9}"/>
+              </a:ext>
+            </a:extLst>
+          </p:cNvPr>
+          <p:cNvSpPr txBox="1"/>
+          <p:nvPr/>
+        </p:nvSpPr>
+        <p:spPr>
+          <a:xfrm>
+            <a:off x="162560" y="930976"/>
+            <a:ext cx="5333171" cy="3447098"/>
+          </a:xfrm>
+          <a:prstGeom prst="rect">
+            <a:avLst/>
+          </a:prstGeom>
+          <a:noFill/>
+          <a:ln>
+            <a:solidFill>
+              <a:schemeClr val="tx1"/>
+            </a:solidFill>
+            <a:prstDash val="lgDash"/>
+          </a:ln>
+        </p:spPr>
+        <p:txBody>
+          <a:bodyPr wrap="square" rtlCol="0">
+            <a:spAutoFit/>
+          </a:bodyPr>
+          <a:lstStyle/>
+          <a:p>
+            <a:pPr algn="ctr"/>
+            <a:r>
+              <a:rPr lang="es-ES" sz="2000" b="1" dirty="0"/>
+              <a:t>Condicional </a:t>
+            </a:r>
+            <a:r>
+              <a:rPr lang="es-ES" sz="2000" b="1" i="1" dirty="0"/>
+              <a:t>do </a:t>
+            </a:r>
+            <a:r>
+              <a:rPr lang="es-ES" sz="2000" b="1" i="1" dirty="0" err="1"/>
+              <a:t>while</a:t>
+            </a:r>
+            <a:r>
+              <a:rPr lang="es-ES" sz="2000" b="1" dirty="0"/>
+              <a:t>:</a:t>
+            </a:r>
+          </a:p>
+          <a:p>
+            <a:r>
+              <a:rPr lang="es-ES" b="1" dirty="0"/>
+              <a:t>do {</a:t>
+            </a:r>
+          </a:p>
+          <a:p>
+            <a:r>
+              <a:rPr lang="es-ES" b="1" dirty="0"/>
+              <a:t>        </a:t>
+            </a:r>
+            <a:r>
+              <a:rPr lang="es-ES" dirty="0"/>
+              <a:t>instrucciones</a:t>
+            </a:r>
+          </a:p>
+          <a:p>
+            <a:r>
+              <a:rPr lang="es-ES" b="1" dirty="0"/>
+              <a:t>        }</a:t>
+            </a:r>
+            <a:r>
+              <a:rPr lang="es-ES" b="1" dirty="0" err="1"/>
+              <a:t>while</a:t>
+            </a:r>
+            <a:r>
+              <a:rPr lang="es-ES" dirty="0"/>
+              <a:t>(</a:t>
+            </a:r>
+            <a:r>
+              <a:rPr lang="es-ES" b="1" dirty="0">
+                <a:solidFill>
+                  <a:schemeClr val="accent1"/>
+                </a:solidFill>
+              </a:rPr>
+              <a:t>condición</a:t>
+            </a:r>
+            <a:r>
+              <a:rPr lang="es-ES" dirty="0"/>
+              <a:t>);</a:t>
+            </a:r>
+            <a:endParaRPr lang="es-ES" b="1" dirty="0"/>
+          </a:p>
+          <a:p>
+            <a:endParaRPr lang="es-ES" b="1" dirty="0"/>
+          </a:p>
+          <a:p>
+            <a:r>
+              <a:rPr lang="es-ES" dirty="0"/>
+              <a:t>Es un bucle que se repite hasta que la condición expresada en </a:t>
+            </a:r>
+            <a:r>
+              <a:rPr lang="es-ES" i="1" dirty="0" err="1"/>
+              <a:t>while</a:t>
+            </a:r>
+            <a:r>
+              <a:rPr lang="es-ES" dirty="0"/>
+              <a:t> deja de cumplirse; es decir, se ejecutarán repetidamente las instrucciones proporcionadas una y otra vez hasta el cierre del bucle.</a:t>
+            </a:r>
+          </a:p>
+          <a:p>
+            <a:endParaRPr lang="es-ES" dirty="0"/>
+          </a:p>
+          <a:p>
+            <a:r>
+              <a:rPr lang="es-ES" dirty="0"/>
+              <a:t>Las instrucciones se describen en el bucle </a:t>
+            </a:r>
+            <a:r>
+              <a:rPr lang="es-ES" i="1" dirty="0"/>
+              <a:t>do</a:t>
+            </a:r>
+            <a:r>
+              <a:rPr lang="es-ES" dirty="0"/>
+              <a:t> exclusivamente.</a:t>
+            </a:r>
+          </a:p>
+        </p:txBody>
+      </p:sp>
+      <p:sp>
+        <p:nvSpPr>
+          <p:cNvPr id="7" name="Elipse 6">
+            <a:extLst>
+              <a:ext uri="{FF2B5EF4-FFF2-40B4-BE49-F238E27FC236}">
+                <a16:creationId xmlns:a16="http://schemas.microsoft.com/office/drawing/2014/main" id="{0207F66E-34B2-61AB-B522-E0ED9476CFC6}"/>
+              </a:ext>
+            </a:extLst>
+          </p:cNvPr>
+          <p:cNvSpPr/>
+          <p:nvPr/>
+        </p:nvSpPr>
+        <p:spPr>
+          <a:xfrm>
+            <a:off x="162558" y="73794"/>
+            <a:ext cx="785303" cy="755583"/>
+          </a:xfrm>
+          <a:prstGeom prst="ellipse">
+            <a:avLst/>
+          </a:prstGeom>
+        </p:spPr>
+        <p:style>
+          <a:lnRef idx="2">
+            <a:schemeClr val="accent1">
+              <a:shade val="15000"/>
+            </a:schemeClr>
+          </a:lnRef>
+          <a:fillRef idx="1">
+            <a:schemeClr val="accent1"/>
+          </a:fillRef>
+          <a:effectRef idx="0">
+            <a:schemeClr val="accent1"/>
+          </a:effectRef>
+          <a:fontRef idx="minor">
+            <a:schemeClr val="lt1"/>
+          </a:fontRef>
+        </p:style>
+        <p:txBody>
+          <a:bodyPr rtlCol="0" anchor="ctr"/>
+          <a:lstStyle/>
+          <a:p>
+            <a:pPr algn="ctr"/>
+            <a:r>
+              <a:rPr lang="es-ES" b="1" dirty="0"/>
+              <a:t>TA5</a:t>
+            </a:r>
+          </a:p>
+        </p:txBody>
+      </p:sp>
+      <p:pic>
+        <p:nvPicPr>
+          <p:cNvPr id="4" name="Imagen 3">
+            <a:extLst>
+              <a:ext uri="{FF2B5EF4-FFF2-40B4-BE49-F238E27FC236}">
+                <a16:creationId xmlns:a16="http://schemas.microsoft.com/office/drawing/2014/main" id="{AD0C1140-B734-B279-6BCF-600D7DE7FFB8}"/>
+              </a:ext>
+            </a:extLst>
+          </p:cNvPr>
+          <p:cNvPicPr>
+            <a:picLocks noChangeAspect="1"/>
+          </p:cNvPicPr>
+          <p:nvPr/>
+        </p:nvPicPr>
+        <p:blipFill>
+          <a:blip r:embed="rId2"/>
+          <a:stretch>
+            <a:fillRect/>
+          </a:stretch>
+        </p:blipFill>
+        <p:spPr>
+          <a:xfrm>
+            <a:off x="5641174" y="1042943"/>
+            <a:ext cx="6483084" cy="3053195"/>
+          </a:xfrm>
+          <a:prstGeom prst="rect">
+            <a:avLst/>
+          </a:prstGeom>
+        </p:spPr>
+      </p:pic>
+    </p:spTree>
+    <p:extLst>
+      <p:ext uri="{BB962C8B-B14F-4D97-AF65-F5344CB8AC3E}">
+        <p14:creationId xmlns:p14="http://schemas.microsoft.com/office/powerpoint/2010/main" val="3301792115"/>
       </p:ext>
     </p:extLst>
   </p:cSld>
